--- a/ grad_ppt_new.pptx
+++ b/ grad_ppt_new.pptx
@@ -5,7 +5,7 @@
     <p:sldMasterId id="2147483648" r:id="rId1"/>
   </p:sldMasterIdLst>
   <p:notesMasterIdLst>
-    <p:notesMasterId r:id="rId31"/>
+    <p:notesMasterId r:id="rId29"/>
   </p:notesMasterIdLst>
   <p:sldIdLst>
     <p:sldId id="256" r:id="rId2"/>
@@ -19,24 +19,22 @@
     <p:sldId id="266" r:id="rId10"/>
     <p:sldId id="271" r:id="rId11"/>
     <p:sldId id="262" r:id="rId12"/>
-    <p:sldId id="263" r:id="rId13"/>
-    <p:sldId id="272" r:id="rId14"/>
+    <p:sldId id="272" r:id="rId13"/>
+    <p:sldId id="263" r:id="rId14"/>
     <p:sldId id="278" r:id="rId15"/>
     <p:sldId id="282" r:id="rId16"/>
-    <p:sldId id="279" r:id="rId17"/>
-    <p:sldId id="283" r:id="rId18"/>
-    <p:sldId id="280" r:id="rId19"/>
-    <p:sldId id="284" r:id="rId20"/>
-    <p:sldId id="285" r:id="rId21"/>
-    <p:sldId id="286" r:id="rId22"/>
-    <p:sldId id="287" r:id="rId23"/>
-    <p:sldId id="288" r:id="rId24"/>
-    <p:sldId id="289" r:id="rId25"/>
-    <p:sldId id="290" r:id="rId26"/>
-    <p:sldId id="265" r:id="rId27"/>
-    <p:sldId id="258" r:id="rId28"/>
-    <p:sldId id="291" r:id="rId29"/>
-    <p:sldId id="260" r:id="rId30"/>
+    <p:sldId id="280" r:id="rId17"/>
+    <p:sldId id="284" r:id="rId18"/>
+    <p:sldId id="285" r:id="rId19"/>
+    <p:sldId id="286" r:id="rId20"/>
+    <p:sldId id="287" r:id="rId21"/>
+    <p:sldId id="288" r:id="rId22"/>
+    <p:sldId id="289" r:id="rId23"/>
+    <p:sldId id="290" r:id="rId24"/>
+    <p:sldId id="265" r:id="rId25"/>
+    <p:sldId id="258" r:id="rId26"/>
+    <p:sldId id="291" r:id="rId27"/>
+    <p:sldId id="260" r:id="rId28"/>
   </p:sldIdLst>
   <p:sldSz cx="9144000" cy="6858000" type="screen4x3"/>
   <p:notesSz cx="6858000" cy="9144000"/>
@@ -687,6 +685,640 @@
     <p:extLst>
       <p:ext uri="{BB962C8B-B14F-4D97-AF65-F5344CB8AC3E}">
         <p14:creationId xmlns:p14="http://schemas.microsoft.com/office/powerpoint/2010/main" val="2279955978"/>
+      </p:ext>
+    </p:extLst>
+  </p:cSld>
+  <p:clrMapOvr>
+    <a:masterClrMapping/>
+  </p:clrMapOvr>
+</p:notes>
+</file>
+
+<file path=ppt/notesSlides/notesSlide3.xml><?xml version="1.0" encoding="utf-8"?>
+<p:notes xmlns:a="http://schemas.openxmlformats.org/drawingml/2006/main" xmlns:r="http://schemas.openxmlformats.org/officeDocument/2006/relationships" xmlns:p="http://schemas.openxmlformats.org/presentationml/2006/main">
+  <p:cSld>
+    <p:spTree>
+      <p:nvGrpSpPr>
+        <p:cNvPr id="1" name=""/>
+        <p:cNvGrpSpPr/>
+        <p:nvPr/>
+      </p:nvGrpSpPr>
+      <p:grpSpPr>
+        <a:xfrm>
+          <a:off x="0" y="0"/>
+          <a:ext cx="0" cy="0"/>
+          <a:chOff x="0" y="0"/>
+          <a:chExt cx="0" cy="0"/>
+        </a:xfrm>
+      </p:grpSpPr>
+      <p:sp>
+        <p:nvSpPr>
+          <p:cNvPr id="2" name="スライド イメージ プレースホルダー 1"/>
+          <p:cNvSpPr>
+            <a:spLocks noGrp="1" noRot="1" noChangeAspect="1"/>
+          </p:cNvSpPr>
+          <p:nvPr>
+            <p:ph type="sldImg"/>
+          </p:nvPr>
+        </p:nvSpPr>
+        <p:spPr/>
+      </p:sp>
+      <p:sp>
+        <p:nvSpPr>
+          <p:cNvPr id="3" name="ノート プレースホルダー 2"/>
+          <p:cNvSpPr>
+            <a:spLocks noGrp="1"/>
+          </p:cNvSpPr>
+          <p:nvPr>
+            <p:ph type="body" idx="1"/>
+          </p:nvPr>
+        </p:nvSpPr>
+        <p:spPr/>
+        <p:txBody>
+          <a:bodyPr/>
+          <a:lstStyle/>
+          <a:p>
+            <a:r>
+              <a:rPr kumimoji="1" lang="en-US" altLang="ja-JP" dirty="0" smtClean="0"/>
+              <a:t>Scratch</a:t>
+            </a:r>
+            <a:r>
+              <a:rPr kumimoji="1" lang="ja-JP" altLang="en-US" dirty="0" smtClean="0"/>
+              <a:t>のプログラムの構造</a:t>
+            </a:r>
+            <a:endParaRPr kumimoji="1" lang="en-US" altLang="ja-JP" dirty="0" smtClean="0"/>
+          </a:p>
+          <a:p>
+            <a:r>
+              <a:rPr kumimoji="1" lang="en-US" altLang="ja-JP" dirty="0" err="1" smtClean="0"/>
+              <a:t>Json</a:t>
+            </a:r>
+            <a:r>
+              <a:rPr kumimoji="1" lang="ja-JP" altLang="en-US" dirty="0" smtClean="0"/>
+              <a:t>形式のファイル例</a:t>
+            </a:r>
+            <a:endParaRPr kumimoji="1" lang="en-US" altLang="ja-JP" dirty="0" smtClean="0"/>
+          </a:p>
+          <a:p>
+            <a:r>
+              <a:rPr kumimoji="1" lang="ja-JP" altLang="en-US" dirty="0" smtClean="0"/>
+              <a:t>ブロックの利用頻度</a:t>
+            </a:r>
+            <a:endParaRPr kumimoji="1" lang="en-US" altLang="ja-JP" dirty="0" smtClean="0"/>
+          </a:p>
+          <a:p>
+            <a:r>
+              <a:rPr kumimoji="1" lang="ja-JP" altLang="en-US" dirty="0" smtClean="0"/>
+              <a:t>集計の具体的な説明</a:t>
+            </a:r>
+            <a:endParaRPr kumimoji="1" lang="en-US" altLang="ja-JP" dirty="0" smtClean="0"/>
+          </a:p>
+          <a:p>
+            <a:endParaRPr kumimoji="1" lang="en-US" altLang="ja-JP" dirty="0" smtClean="0"/>
+          </a:p>
+          <a:p>
+            <a:endParaRPr kumimoji="1" lang="ja-JP" altLang="en-US" dirty="0"/>
+          </a:p>
+        </p:txBody>
+      </p:sp>
+      <p:sp>
+        <p:nvSpPr>
+          <p:cNvPr id="4" name="スライド番号プレースホルダー 3"/>
+          <p:cNvSpPr>
+            <a:spLocks noGrp="1"/>
+          </p:cNvSpPr>
+          <p:nvPr>
+            <p:ph type="sldNum" sz="quarter" idx="10"/>
+          </p:nvPr>
+        </p:nvSpPr>
+        <p:spPr/>
+        <p:txBody>
+          <a:bodyPr/>
+          <a:lstStyle/>
+          <a:p>
+            <a:fld id="{D7107B1F-1F0A-9846-AC89-B59DA5077190}" type="slidenum">
+              <a:rPr kumimoji="1" lang="ja-JP" altLang="en-US" smtClean="0"/>
+              <a:t>11</a:t>
+            </a:fld>
+            <a:endParaRPr kumimoji="1" lang="ja-JP" altLang="en-US"/>
+          </a:p>
+        </p:txBody>
+      </p:sp>
+    </p:spTree>
+    <p:extLst>
+      <p:ext uri="{BB962C8B-B14F-4D97-AF65-F5344CB8AC3E}">
+        <p14:creationId xmlns:p14="http://schemas.microsoft.com/office/powerpoint/2010/main" val="3376175367"/>
+      </p:ext>
+    </p:extLst>
+  </p:cSld>
+  <p:clrMapOvr>
+    <a:masterClrMapping/>
+  </p:clrMapOvr>
+</p:notes>
+</file>
+
+<file path=ppt/notesSlides/notesSlide4.xml><?xml version="1.0" encoding="utf-8"?>
+<p:notes xmlns:a="http://schemas.openxmlformats.org/drawingml/2006/main" xmlns:r="http://schemas.openxmlformats.org/officeDocument/2006/relationships" xmlns:p="http://schemas.openxmlformats.org/presentationml/2006/main">
+  <p:cSld>
+    <p:spTree>
+      <p:nvGrpSpPr>
+        <p:cNvPr id="1" name=""/>
+        <p:cNvGrpSpPr/>
+        <p:nvPr/>
+      </p:nvGrpSpPr>
+      <p:grpSpPr>
+        <a:xfrm>
+          <a:off x="0" y="0"/>
+          <a:ext cx="0" cy="0"/>
+          <a:chOff x="0" y="0"/>
+          <a:chExt cx="0" cy="0"/>
+        </a:xfrm>
+      </p:grpSpPr>
+      <p:sp>
+        <p:nvSpPr>
+          <p:cNvPr id="2" name="スライド イメージ プレースホルダー 1"/>
+          <p:cNvSpPr>
+            <a:spLocks noGrp="1" noRot="1" noChangeAspect="1"/>
+          </p:cNvSpPr>
+          <p:nvPr>
+            <p:ph type="sldImg"/>
+          </p:nvPr>
+        </p:nvSpPr>
+        <p:spPr/>
+      </p:sp>
+      <p:sp>
+        <p:nvSpPr>
+          <p:cNvPr id="3" name="ノート プレースホルダー 2"/>
+          <p:cNvSpPr>
+            <a:spLocks noGrp="1"/>
+          </p:cNvSpPr>
+          <p:nvPr>
+            <p:ph type="body" idx="1"/>
+          </p:nvPr>
+        </p:nvSpPr>
+        <p:spPr/>
+        <p:txBody>
+          <a:bodyPr/>
+          <a:lstStyle/>
+          <a:p>
+            <a:r>
+              <a:rPr kumimoji="1" lang="en-US" altLang="ja-JP" dirty="0" smtClean="0"/>
+              <a:t>2</a:t>
+            </a:r>
+            <a:r>
+              <a:rPr kumimoji="1" lang="ja-JP" altLang="en-US" dirty="0" smtClean="0"/>
+              <a:t>段目の方がちらばりが多い</a:t>
+            </a:r>
+            <a:endParaRPr kumimoji="1" lang="en-US" altLang="ja-JP" dirty="0" smtClean="0"/>
+          </a:p>
+          <a:p>
+            <a:r>
+              <a:rPr kumimoji="1" lang="ja-JP" altLang="en-US" dirty="0" smtClean="0"/>
+              <a:t>緑の部分が濃い</a:t>
+            </a:r>
+            <a:r>
+              <a:rPr kumimoji="1" lang="en-US" altLang="ja-JP" dirty="0" smtClean="0"/>
+              <a:t>→</a:t>
+            </a:r>
+            <a:r>
+              <a:rPr kumimoji="1" lang="ja-JP" altLang="en-US" dirty="0" smtClean="0"/>
+              <a:t>違うものが増えている</a:t>
+            </a:r>
+            <a:endParaRPr kumimoji="1" lang="ja-JP" altLang="en-US" dirty="0"/>
+          </a:p>
+        </p:txBody>
+      </p:sp>
+      <p:sp>
+        <p:nvSpPr>
+          <p:cNvPr id="4" name="スライド番号プレースホルダー 3"/>
+          <p:cNvSpPr>
+            <a:spLocks noGrp="1"/>
+          </p:cNvSpPr>
+          <p:nvPr>
+            <p:ph type="sldNum" sz="quarter" idx="10"/>
+          </p:nvPr>
+        </p:nvSpPr>
+        <p:spPr/>
+        <p:txBody>
+          <a:bodyPr/>
+          <a:lstStyle/>
+          <a:p>
+            <a:fld id="{D7107B1F-1F0A-9846-AC89-B59DA5077190}" type="slidenum">
+              <a:rPr kumimoji="1" lang="ja-JP" altLang="en-US" smtClean="0"/>
+              <a:t>14</a:t>
+            </a:fld>
+            <a:endParaRPr kumimoji="1" lang="ja-JP" altLang="en-US"/>
+          </a:p>
+        </p:txBody>
+      </p:sp>
+    </p:spTree>
+    <p:extLst>
+      <p:ext uri="{BB962C8B-B14F-4D97-AF65-F5344CB8AC3E}">
+        <p14:creationId xmlns:p14="http://schemas.microsoft.com/office/powerpoint/2010/main" val="2755202580"/>
+      </p:ext>
+    </p:extLst>
+  </p:cSld>
+  <p:clrMapOvr>
+    <a:masterClrMapping/>
+  </p:clrMapOvr>
+</p:notes>
+</file>
+
+<file path=ppt/notesSlides/notesSlide5.xml><?xml version="1.0" encoding="utf-8"?>
+<p:notes xmlns:a="http://schemas.openxmlformats.org/drawingml/2006/main" xmlns:r="http://schemas.openxmlformats.org/officeDocument/2006/relationships" xmlns:p="http://schemas.openxmlformats.org/presentationml/2006/main">
+  <p:cSld>
+    <p:spTree>
+      <p:nvGrpSpPr>
+        <p:cNvPr id="1" name=""/>
+        <p:cNvGrpSpPr/>
+        <p:nvPr/>
+      </p:nvGrpSpPr>
+      <p:grpSpPr>
+        <a:xfrm>
+          <a:off x="0" y="0"/>
+          <a:ext cx="0" cy="0"/>
+          <a:chOff x="0" y="0"/>
+          <a:chExt cx="0" cy="0"/>
+        </a:xfrm>
+      </p:grpSpPr>
+      <p:sp>
+        <p:nvSpPr>
+          <p:cNvPr id="2" name="スライド イメージ プレースホルダー 1"/>
+          <p:cNvSpPr>
+            <a:spLocks noGrp="1" noRot="1" noChangeAspect="1"/>
+          </p:cNvSpPr>
+          <p:nvPr>
+            <p:ph type="sldImg"/>
+          </p:nvPr>
+        </p:nvSpPr>
+        <p:spPr/>
+      </p:sp>
+      <p:sp>
+        <p:nvSpPr>
+          <p:cNvPr id="3" name="ノート プレースホルダー 2"/>
+          <p:cNvSpPr>
+            <a:spLocks noGrp="1"/>
+          </p:cNvSpPr>
+          <p:nvPr>
+            <p:ph type="body" idx="1"/>
+          </p:nvPr>
+        </p:nvSpPr>
+        <p:spPr/>
+        <p:txBody>
+          <a:bodyPr/>
+          <a:lstStyle/>
+          <a:p>
+            <a:r>
+              <a:rPr kumimoji="1" lang="en-US" altLang="ja-JP" dirty="0" smtClean="0"/>
+              <a:t>3,4</a:t>
+            </a:r>
+            <a:r>
+              <a:rPr kumimoji="1" lang="ja-JP" altLang="en-US" dirty="0" smtClean="0"/>
+              <a:t>段目は少なくなっている</a:t>
+            </a:r>
+            <a:endParaRPr kumimoji="1" lang="en-US" altLang="ja-JP" dirty="0" smtClean="0"/>
+          </a:p>
+          <a:p>
+            <a:r>
+              <a:rPr kumimoji="1" lang="ja-JP" altLang="en-US" dirty="0" smtClean="0"/>
+              <a:t>リミックスしなくなる</a:t>
+            </a:r>
+            <a:endParaRPr kumimoji="1" lang="en-US" altLang="ja-JP" dirty="0" smtClean="0"/>
+          </a:p>
+          <a:p>
+            <a:r>
+              <a:rPr kumimoji="1" lang="ja-JP" altLang="en-US" dirty="0" smtClean="0"/>
+              <a:t>にている</a:t>
+            </a:r>
+            <a:endParaRPr kumimoji="1" lang="ja-JP" altLang="en-US" dirty="0"/>
+          </a:p>
+        </p:txBody>
+      </p:sp>
+      <p:sp>
+        <p:nvSpPr>
+          <p:cNvPr id="4" name="スライド番号プレースホルダー 3"/>
+          <p:cNvSpPr>
+            <a:spLocks noGrp="1"/>
+          </p:cNvSpPr>
+          <p:nvPr>
+            <p:ph type="sldNum" sz="quarter" idx="10"/>
+          </p:nvPr>
+        </p:nvSpPr>
+        <p:spPr/>
+        <p:txBody>
+          <a:bodyPr/>
+          <a:lstStyle/>
+          <a:p>
+            <a:fld id="{D7107B1F-1F0A-9846-AC89-B59DA5077190}" type="slidenum">
+              <a:rPr kumimoji="1" lang="ja-JP" altLang="en-US" smtClean="0"/>
+              <a:t>15</a:t>
+            </a:fld>
+            <a:endParaRPr kumimoji="1" lang="ja-JP" altLang="en-US"/>
+          </a:p>
+        </p:txBody>
+      </p:sp>
+    </p:spTree>
+    <p:extLst>
+      <p:ext uri="{BB962C8B-B14F-4D97-AF65-F5344CB8AC3E}">
+        <p14:creationId xmlns:p14="http://schemas.microsoft.com/office/powerpoint/2010/main" val="895170444"/>
+      </p:ext>
+    </p:extLst>
+  </p:cSld>
+  <p:clrMapOvr>
+    <a:masterClrMapping/>
+  </p:clrMapOvr>
+</p:notes>
+</file>
+
+<file path=ppt/notesSlides/notesSlide6.xml><?xml version="1.0" encoding="utf-8"?>
+<p:notes xmlns:a="http://schemas.openxmlformats.org/drawingml/2006/main" xmlns:r="http://schemas.openxmlformats.org/officeDocument/2006/relationships" xmlns:p="http://schemas.openxmlformats.org/presentationml/2006/main">
+  <p:cSld>
+    <p:spTree>
+      <p:nvGrpSpPr>
+        <p:cNvPr id="1" name=""/>
+        <p:cNvGrpSpPr/>
+        <p:nvPr/>
+      </p:nvGrpSpPr>
+      <p:grpSpPr>
+        <a:xfrm>
+          <a:off x="0" y="0"/>
+          <a:ext cx="0" cy="0"/>
+          <a:chOff x="0" y="0"/>
+          <a:chExt cx="0" cy="0"/>
+        </a:xfrm>
+      </p:grpSpPr>
+      <p:sp>
+        <p:nvSpPr>
+          <p:cNvPr id="2" name="スライド イメージ プレースホルダー 1"/>
+          <p:cNvSpPr>
+            <a:spLocks noGrp="1" noRot="1" noChangeAspect="1"/>
+          </p:cNvSpPr>
+          <p:nvPr>
+            <p:ph type="sldImg"/>
+          </p:nvPr>
+        </p:nvSpPr>
+        <p:spPr/>
+      </p:sp>
+      <p:sp>
+        <p:nvSpPr>
+          <p:cNvPr id="3" name="ノート プレースホルダー 2"/>
+          <p:cNvSpPr>
+            <a:spLocks noGrp="1"/>
+          </p:cNvSpPr>
+          <p:nvPr>
+            <p:ph type="body" idx="1"/>
+          </p:nvPr>
+        </p:nvSpPr>
+        <p:spPr/>
+        <p:txBody>
+          <a:bodyPr/>
+          <a:lstStyle/>
+          <a:p>
+            <a:r>
+              <a:rPr kumimoji="1" lang="ja-JP" altLang="en-US" dirty="0" smtClean="0"/>
+              <a:t>色の濃淡を変える</a:t>
+            </a:r>
+            <a:endParaRPr kumimoji="1" lang="ja-JP" altLang="en-US" dirty="0"/>
+          </a:p>
+        </p:txBody>
+      </p:sp>
+      <p:sp>
+        <p:nvSpPr>
+          <p:cNvPr id="4" name="スライド番号プレースホルダー 3"/>
+          <p:cNvSpPr>
+            <a:spLocks noGrp="1"/>
+          </p:cNvSpPr>
+          <p:nvPr>
+            <p:ph type="sldNum" sz="quarter" idx="10"/>
+          </p:nvPr>
+        </p:nvSpPr>
+        <p:spPr/>
+        <p:txBody>
+          <a:bodyPr/>
+          <a:lstStyle/>
+          <a:p>
+            <a:fld id="{D7107B1F-1F0A-9846-AC89-B59DA5077190}" type="slidenum">
+              <a:rPr kumimoji="1" lang="ja-JP" altLang="en-US" smtClean="0"/>
+              <a:t>19</a:t>
+            </a:fld>
+            <a:endParaRPr kumimoji="1" lang="ja-JP" altLang="en-US"/>
+          </a:p>
+        </p:txBody>
+      </p:sp>
+    </p:spTree>
+    <p:extLst>
+      <p:ext uri="{BB962C8B-B14F-4D97-AF65-F5344CB8AC3E}">
+        <p14:creationId xmlns:p14="http://schemas.microsoft.com/office/powerpoint/2010/main" val="1697770797"/>
+      </p:ext>
+    </p:extLst>
+  </p:cSld>
+  <p:clrMapOvr>
+    <a:masterClrMapping/>
+  </p:clrMapOvr>
+</p:notes>
+</file>
+
+<file path=ppt/notesSlides/notesSlide7.xml><?xml version="1.0" encoding="utf-8"?>
+<p:notes xmlns:a="http://schemas.openxmlformats.org/drawingml/2006/main" xmlns:r="http://schemas.openxmlformats.org/officeDocument/2006/relationships" xmlns:p="http://schemas.openxmlformats.org/presentationml/2006/main">
+  <p:cSld>
+    <p:spTree>
+      <p:nvGrpSpPr>
+        <p:cNvPr id="1" name=""/>
+        <p:cNvGrpSpPr/>
+        <p:nvPr/>
+      </p:nvGrpSpPr>
+      <p:grpSpPr>
+        <a:xfrm>
+          <a:off x="0" y="0"/>
+          <a:ext cx="0" cy="0"/>
+          <a:chOff x="0" y="0"/>
+          <a:chExt cx="0" cy="0"/>
+        </a:xfrm>
+      </p:grpSpPr>
+      <p:sp>
+        <p:nvSpPr>
+          <p:cNvPr id="2" name="スライド イメージ プレースホルダー 1"/>
+          <p:cNvSpPr>
+            <a:spLocks noGrp="1" noRot="1" noChangeAspect="1"/>
+          </p:cNvSpPr>
+          <p:nvPr>
+            <p:ph type="sldImg"/>
+          </p:nvPr>
+        </p:nvSpPr>
+        <p:spPr/>
+      </p:sp>
+      <p:sp>
+        <p:nvSpPr>
+          <p:cNvPr id="3" name="ノート プレースホルダー 2"/>
+          <p:cNvSpPr>
+            <a:spLocks noGrp="1"/>
+          </p:cNvSpPr>
+          <p:nvPr>
+            <p:ph type="body" idx="1"/>
+          </p:nvPr>
+        </p:nvSpPr>
+        <p:spPr/>
+        <p:txBody>
+          <a:bodyPr/>
+          <a:lstStyle/>
+          <a:p>
+            <a:r>
+              <a:rPr kumimoji="1" lang="ja-JP" altLang="en-US" dirty="0" smtClean="0"/>
+              <a:t>ばらつき減る　個数減る</a:t>
+            </a:r>
+            <a:endParaRPr kumimoji="1" lang="en-US" altLang="ja-JP" dirty="0" smtClean="0"/>
+          </a:p>
+          <a:p>
+            <a:r>
+              <a:rPr kumimoji="1" lang="en-US" altLang="ja-JP" dirty="0" smtClean="0"/>
+              <a:t>1</a:t>
+            </a:r>
+            <a:r>
+              <a:rPr kumimoji="1" lang="ja-JP" altLang="en-US" dirty="0" smtClean="0"/>
+              <a:t>個</a:t>
+            </a:r>
+            <a:r>
+              <a:rPr kumimoji="1" lang="en-US" altLang="ja-JP" dirty="0" smtClean="0"/>
+              <a:t>1</a:t>
+            </a:r>
+            <a:r>
+              <a:rPr kumimoji="1" lang="ja-JP" altLang="en-US" dirty="0" smtClean="0"/>
+              <a:t>個のプログラムを見るのに便利</a:t>
+            </a:r>
+            <a:endParaRPr kumimoji="1" lang="en-US" altLang="ja-JP" dirty="0" smtClean="0"/>
+          </a:p>
+          <a:p>
+            <a:endParaRPr kumimoji="1" lang="ja-JP" altLang="en-US" dirty="0"/>
+          </a:p>
+        </p:txBody>
+      </p:sp>
+      <p:sp>
+        <p:nvSpPr>
+          <p:cNvPr id="4" name="スライド番号プレースホルダー 3"/>
+          <p:cNvSpPr>
+            <a:spLocks noGrp="1"/>
+          </p:cNvSpPr>
+          <p:nvPr>
+            <p:ph type="sldNum" sz="quarter" idx="10"/>
+          </p:nvPr>
+        </p:nvSpPr>
+        <p:spPr/>
+        <p:txBody>
+          <a:bodyPr/>
+          <a:lstStyle/>
+          <a:p>
+            <a:fld id="{D7107B1F-1F0A-9846-AC89-B59DA5077190}" type="slidenum">
+              <a:rPr kumimoji="1" lang="ja-JP" altLang="en-US" smtClean="0"/>
+              <a:t>20</a:t>
+            </a:fld>
+            <a:endParaRPr kumimoji="1" lang="ja-JP" altLang="en-US"/>
+          </a:p>
+        </p:txBody>
+      </p:sp>
+    </p:spTree>
+    <p:extLst>
+      <p:ext uri="{BB962C8B-B14F-4D97-AF65-F5344CB8AC3E}">
+        <p14:creationId xmlns:p14="http://schemas.microsoft.com/office/powerpoint/2010/main" val="252451597"/>
+      </p:ext>
+    </p:extLst>
+  </p:cSld>
+  <p:clrMapOvr>
+    <a:masterClrMapping/>
+  </p:clrMapOvr>
+</p:notes>
+</file>
+
+<file path=ppt/notesSlides/notesSlide8.xml><?xml version="1.0" encoding="utf-8"?>
+<p:notes xmlns:a="http://schemas.openxmlformats.org/drawingml/2006/main" xmlns:r="http://schemas.openxmlformats.org/officeDocument/2006/relationships" xmlns:p="http://schemas.openxmlformats.org/presentationml/2006/main">
+  <p:cSld>
+    <p:spTree>
+      <p:nvGrpSpPr>
+        <p:cNvPr id="1" name=""/>
+        <p:cNvGrpSpPr/>
+        <p:nvPr/>
+      </p:nvGrpSpPr>
+      <p:grpSpPr>
+        <a:xfrm>
+          <a:off x="0" y="0"/>
+          <a:ext cx="0" cy="0"/>
+          <a:chOff x="0" y="0"/>
+          <a:chExt cx="0" cy="0"/>
+        </a:xfrm>
+      </p:grpSpPr>
+      <p:sp>
+        <p:nvSpPr>
+          <p:cNvPr id="2" name="スライド イメージ プレースホルダー 1"/>
+          <p:cNvSpPr>
+            <a:spLocks noGrp="1" noRot="1" noChangeAspect="1"/>
+          </p:cNvSpPr>
+          <p:nvPr>
+            <p:ph type="sldImg"/>
+          </p:nvPr>
+        </p:nvSpPr>
+        <p:spPr/>
+      </p:sp>
+      <p:sp>
+        <p:nvSpPr>
+          <p:cNvPr id="3" name="ノート プレースホルダー 2"/>
+          <p:cNvSpPr>
+            <a:spLocks noGrp="1"/>
+          </p:cNvSpPr>
+          <p:nvPr>
+            <p:ph type="body" idx="1"/>
+          </p:nvPr>
+        </p:nvSpPr>
+        <p:spPr/>
+        <p:txBody>
+          <a:bodyPr/>
+          <a:lstStyle/>
+          <a:p>
+            <a:r>
+              <a:rPr kumimoji="1" lang="en-US" altLang="ja-JP" dirty="0" smtClean="0"/>
+              <a:t>1</a:t>
+            </a:r>
+            <a:r>
+              <a:rPr kumimoji="1" lang="ja-JP" altLang="en-US" dirty="0" smtClean="0"/>
+              <a:t>段目のうち、人気のものが</a:t>
+            </a:r>
+            <a:r>
+              <a:rPr kumimoji="1" lang="en-US" altLang="ja-JP" dirty="0" smtClean="0"/>
+              <a:t>2</a:t>
+            </a:r>
+            <a:r>
+              <a:rPr kumimoji="1" lang="ja-JP" altLang="en-US" dirty="0" smtClean="0"/>
+              <a:t>段目の濃い部分に集中</a:t>
+            </a:r>
+            <a:endParaRPr kumimoji="1" lang="ja-JP" altLang="en-US" dirty="0"/>
+          </a:p>
+        </p:txBody>
+      </p:sp>
+      <p:sp>
+        <p:nvSpPr>
+          <p:cNvPr id="4" name="スライド番号プレースホルダー 3"/>
+          <p:cNvSpPr>
+            <a:spLocks noGrp="1"/>
+          </p:cNvSpPr>
+          <p:nvPr>
+            <p:ph type="sldNum" sz="quarter" idx="10"/>
+          </p:nvPr>
+        </p:nvSpPr>
+        <p:spPr/>
+        <p:txBody>
+          <a:bodyPr/>
+          <a:lstStyle/>
+          <a:p>
+            <a:fld id="{D7107B1F-1F0A-9846-AC89-B59DA5077190}" type="slidenum">
+              <a:rPr kumimoji="1" lang="ja-JP" altLang="en-US" smtClean="0"/>
+              <a:t>22</a:t>
+            </a:fld>
+            <a:endParaRPr kumimoji="1" lang="ja-JP" altLang="en-US"/>
+          </a:p>
+        </p:txBody>
+      </p:sp>
+    </p:spTree>
+    <p:extLst>
+      <p:ext uri="{BB962C8B-B14F-4D97-AF65-F5344CB8AC3E}">
+        <p14:creationId xmlns:p14="http://schemas.microsoft.com/office/powerpoint/2010/main" val="1907559689"/>
       </p:ext>
     </p:extLst>
   </p:cSld>
@@ -4130,20 +4762,49 @@
             <a:endParaRPr lang="en-US" altLang="ja-JP" dirty="0" smtClean="0"/>
           </a:p>
           <a:p>
+            <a:pPr lvl="1"/>
+            <a:r>
+              <a:rPr lang="en-US" altLang="ja-JP" dirty="0" err="1" smtClean="0"/>
+              <a:t>cos</a:t>
+            </a:r>
             <a:r>
               <a:rPr lang="ja-JP" altLang="en-US" dirty="0" smtClean="0"/>
-              <a:t>類似度、ブロックの数、スプライトの数を利用した可視化</a:t>
+              <a:t>類似度</a:t>
+            </a:r>
+            <a:endParaRPr lang="en-US" altLang="ja-JP" dirty="0"/>
+          </a:p>
+          <a:p>
+            <a:pPr lvl="1"/>
+            <a:r>
+              <a:rPr lang="ja-JP" altLang="en-US" dirty="0" smtClean="0"/>
+              <a:t>ブロック数</a:t>
             </a:r>
             <a:endParaRPr lang="en-US" altLang="ja-JP" dirty="0" smtClean="0"/>
           </a:p>
           <a:p>
+            <a:pPr lvl="1"/>
             <a:r>
               <a:rPr lang="ja-JP" altLang="en-US" dirty="0" smtClean="0"/>
-              <a:t>アンケートを用いて、数値、可視化、実際のプロジェクトの辻褄が合っているかを確認</a:t>
-            </a:r>
-            <a:endParaRPr lang="ja-JP" altLang="en-US" dirty="0"/>
-          </a:p>
-          <a:p>
+              <a:t>スプライト数</a:t>
+            </a:r>
+            <a:endParaRPr lang="en-US" altLang="ja-JP" dirty="0" smtClean="0"/>
+          </a:p>
+          <a:p>
+            <a:r>
+              <a:rPr lang="ja-JP" altLang="en-US" dirty="0" smtClean="0"/>
+              <a:t>上記の</a:t>
+            </a:r>
+            <a:r>
+              <a:rPr lang="ja-JP" altLang="en-US" dirty="0" smtClean="0"/>
+              <a:t>類似度を組み合わせてさまざまなグラフで可視化</a:t>
+            </a:r>
+            <a:endParaRPr lang="en-US" altLang="ja-JP" dirty="0" smtClean="0"/>
+          </a:p>
+          <a:p>
+            <a:r>
+              <a:rPr kumimoji="1" lang="ja-JP" altLang="en-US" dirty="0" smtClean="0"/>
+              <a:t>可視化が、教育者が考える類似性と一致しているか、アンケートなどで評価</a:t>
+            </a:r>
             <a:endParaRPr kumimoji="1" lang="ja-JP" altLang="en-US" dirty="0"/>
           </a:p>
         </p:txBody>
@@ -4333,38 +4994,19 @@
           <a:p>
             <a:r>
               <a:rPr kumimoji="1" lang="ja-JP" altLang="en-US" dirty="0" smtClean="0"/>
-              <a:t>実験方法（</a:t>
+              <a:t>実験方法</a:t>
+            </a:r>
+            <a:r>
+              <a:rPr kumimoji="1" lang="ja-JP" altLang="en-US" dirty="0" smtClean="0"/>
+              <a:t>（</a:t>
+            </a:r>
+            <a:r>
+              <a:rPr lang="ja-JP" altLang="ja-JP" dirty="0"/>
+              <a:t>1</a:t>
             </a:r>
             <a:r>
               <a:rPr kumimoji="1" lang="en-US" altLang="ja-JP" dirty="0" smtClean="0"/>
-              <a:t>1/2</a:t>
-            </a:r>
-            <a:r>
-              <a:rPr kumimoji="1" lang="ja-JP" altLang="en-US" dirty="0" smtClean="0"/>
-              <a:t>）</a:t>
-            </a:r>
-            <a:endParaRPr kumimoji="1" lang="ja-JP" altLang="en-US" dirty="0"/>
-          </a:p>
-        </p:txBody>
-      </p:sp>
-      <p:sp>
-        <p:nvSpPr>
-          <p:cNvPr id="3" name="コンテンツ プレースホルダー 2"/>
-          <p:cNvSpPr>
-            <a:spLocks noGrp="1"/>
-          </p:cNvSpPr>
-          <p:nvPr>
-            <p:ph idx="1"/>
-          </p:nvPr>
-        </p:nvSpPr>
-        <p:spPr/>
-        <p:txBody>
-          <a:bodyPr/>
-          <a:lstStyle/>
-          <a:p>
-            <a:r>
-              <a:rPr kumimoji="1" lang="ja-JP" altLang="en-US" dirty="0" smtClean="0"/>
-              <a:t>リミックスツリーの規模に応じて</a:t>
+              <a:t>/</a:t>
             </a:r>
             <a:r>
               <a:rPr kumimoji="1" lang="en-US" altLang="ja-JP" dirty="0" smtClean="0"/>
@@ -4372,14 +5014,53 @@
             </a:r>
             <a:r>
               <a:rPr kumimoji="1" lang="ja-JP" altLang="en-US" dirty="0" smtClean="0"/>
-              <a:t>種類のゲームについて実験</a:t>
+              <a:t>）</a:t>
+            </a:r>
+            <a:endParaRPr kumimoji="1" lang="ja-JP" altLang="en-US" dirty="0"/>
+          </a:p>
+        </p:txBody>
+      </p:sp>
+      <p:sp>
+        <p:nvSpPr>
+          <p:cNvPr id="3" name="コンテンツ プレースホルダー 2"/>
+          <p:cNvSpPr>
+            <a:spLocks noGrp="1"/>
+          </p:cNvSpPr>
+          <p:nvPr>
+            <p:ph idx="1"/>
+          </p:nvPr>
+        </p:nvSpPr>
+        <p:spPr/>
+        <p:txBody>
+          <a:bodyPr/>
+          <a:lstStyle/>
+          <a:p>
+            <a:r>
+              <a:rPr kumimoji="1" lang="ja-JP" altLang="en-US" dirty="0" smtClean="0"/>
+              <a:t>元プロジェクトから引用されたものを</a:t>
+            </a:r>
+            <a:r>
+              <a:rPr kumimoji="1" lang="en-US" altLang="ja-JP" dirty="0" smtClean="0"/>
+              <a:t>1</a:t>
+            </a:r>
+            <a:r>
+              <a:rPr kumimoji="1" lang="ja-JP" altLang="en-US" dirty="0" smtClean="0"/>
+              <a:t>段目</a:t>
             </a:r>
             <a:endParaRPr kumimoji="1" lang="en-US" altLang="ja-JP" dirty="0" smtClean="0"/>
           </a:p>
           <a:p>
             <a:r>
               <a:rPr lang="ja-JP" altLang="en-US" dirty="0" smtClean="0"/>
-              <a:t>大規模リミックスツリー（約</a:t>
+              <a:t>以降</a:t>
+            </a:r>
+            <a:r>
+              <a:rPr lang="en-US" altLang="ja-JP" dirty="0" smtClean="0"/>
+              <a:t>1</a:t>
+            </a:r>
+            <a:r>
+              <a:rPr lang="ja-JP" altLang="en-US" dirty="0" smtClean="0"/>
+              <a:t>段目のプロジェクトから引用されたものを</a:t>
             </a:r>
             <a:r>
               <a:rPr lang="en-US" altLang="ja-JP" dirty="0" smtClean="0"/>
@@ -4387,59 +5068,605 @@
             </a:r>
             <a:r>
               <a:rPr lang="ja-JP" altLang="en-US" dirty="0" smtClean="0"/>
-              <a:t>万個）</a:t>
+              <a:t>段目、</a:t>
+            </a:r>
+            <a:r>
+              <a:rPr lang="en-US" altLang="ja-JP" dirty="0" smtClean="0"/>
+              <a:t>3</a:t>
+            </a:r>
+            <a:r>
+              <a:rPr lang="ja-JP" altLang="en-US" dirty="0" smtClean="0"/>
+              <a:t>段目・・・とする</a:t>
             </a:r>
             <a:endParaRPr lang="en-US" altLang="ja-JP" dirty="0" smtClean="0"/>
           </a:p>
           <a:p>
             <a:pPr lvl="1"/>
             <a:r>
+              <a:rPr lang="ja-JP" altLang="en-US" dirty="0" smtClean="0"/>
+              <a:t>青：元プロジェクト</a:t>
+            </a:r>
+            <a:endParaRPr lang="en-US" altLang="ja-JP" dirty="0" smtClean="0"/>
+          </a:p>
+          <a:p>
+            <a:pPr lvl="1"/>
+            <a:r>
+              <a:rPr lang="ja-JP" altLang="en-US" dirty="0" smtClean="0"/>
+              <a:t>赤：</a:t>
+            </a:r>
+            <a:r>
               <a:rPr lang="en-US" altLang="ja-JP" dirty="0" smtClean="0"/>
-              <a:t>Pong Starter</a:t>
+              <a:t>1</a:t>
             </a:r>
             <a:r>
               <a:rPr lang="ja-JP" altLang="en-US" dirty="0" smtClean="0"/>
-              <a:t>（卓球ゲーム）</a:t>
-            </a:r>
-            <a:endParaRPr lang="en-US" altLang="ja-JP" dirty="0"/>
-          </a:p>
-          <a:p>
+              <a:t>段目</a:t>
+            </a:r>
+            <a:endParaRPr lang="en-US" altLang="ja-JP" dirty="0" smtClean="0"/>
+          </a:p>
+          <a:p>
+            <a:pPr lvl="1"/>
             <a:r>
               <a:rPr lang="ja-JP" altLang="en-US" dirty="0" smtClean="0"/>
-              <a:t>小規模リミックスツリー（約</a:t>
+              <a:t>緑：</a:t>
             </a:r>
             <a:r>
               <a:rPr lang="en-US" altLang="ja-JP" dirty="0" smtClean="0"/>
-              <a:t>200</a:t>
+              <a:t>2</a:t>
             </a:r>
             <a:r>
               <a:rPr lang="ja-JP" altLang="en-US" dirty="0" smtClean="0"/>
-              <a:t>個）</a:t>
+              <a:t>段目</a:t>
             </a:r>
             <a:endParaRPr lang="en-US" altLang="ja-JP" dirty="0" smtClean="0"/>
           </a:p>
           <a:p>
-            <a:pPr lvl="1"/>
-            <a:r>
-              <a:rPr lang="en-US" altLang="ja-JP" dirty="0" smtClean="0"/>
-              <a:t>Maze Game</a:t>
-            </a:r>
             <a:r>
               <a:rPr lang="ja-JP" altLang="en-US" dirty="0" smtClean="0"/>
-              <a:t>（迷路ゲーム）</a:t>
-            </a:r>
-            <a:endParaRPr lang="en-US" altLang="ja-JP" dirty="0"/>
-          </a:p>
-          <a:p>
-            <a:pPr lvl="1"/>
+              <a:t>各段ごとにグラフを作成</a:t>
+            </a:r>
             <a:endParaRPr lang="en-US" altLang="ja-JP" dirty="0" smtClean="0"/>
+          </a:p>
+          <a:p>
+            <a:pPr marL="0" indent="0">
+              <a:buNone/>
+            </a:pPr>
+            <a:endParaRPr lang="en-US" altLang="ja-JP" dirty="0" smtClean="0"/>
+          </a:p>
+        </p:txBody>
+      </p:sp>
+      <p:pic>
+        <p:nvPicPr>
+          <p:cNvPr id="5" name="図 4" descr="a.png"/>
+          <p:cNvPicPr>
+            <a:picLocks noChangeAspect="1"/>
+          </p:cNvPicPr>
+          <p:nvPr/>
+        </p:nvPicPr>
+        <p:blipFill>
+          <a:blip r:embed="rId2">
+            <a:extLst>
+              <a:ext uri="{28A0092B-C50C-407E-A947-70E740481C1C}">
+                <a14:useLocalDpi xmlns:a14="http://schemas.microsoft.com/office/drawing/2010/main" val="0"/>
+              </a:ext>
+            </a:extLst>
+          </a:blip>
+          <a:stretch>
+            <a:fillRect/>
+          </a:stretch>
+        </p:blipFill>
+        <p:spPr>
+          <a:xfrm>
+            <a:off x="5087651" y="3428396"/>
+            <a:ext cx="4056349" cy="3180018"/>
+          </a:xfrm>
+          <a:prstGeom prst="rect">
+            <a:avLst/>
+          </a:prstGeom>
+        </p:spPr>
+      </p:pic>
+      <p:sp>
+        <p:nvSpPr>
+          <p:cNvPr id="7" name="円/楕円 6"/>
+          <p:cNvSpPr/>
+          <p:nvPr/>
+        </p:nvSpPr>
+        <p:spPr>
+          <a:xfrm>
+            <a:off x="7170504" y="5835228"/>
+            <a:ext cx="482321" cy="498325"/>
+          </a:xfrm>
+          <a:prstGeom prst="ellipse">
+            <a:avLst/>
+          </a:prstGeom>
+        </p:spPr>
+        <p:style>
+          <a:lnRef idx="1">
+            <a:schemeClr val="accent1"/>
+          </a:lnRef>
+          <a:fillRef idx="3">
+            <a:schemeClr val="accent1"/>
+          </a:fillRef>
+          <a:effectRef idx="2">
+            <a:schemeClr val="accent1"/>
+          </a:effectRef>
+          <a:fontRef idx="minor">
+            <a:schemeClr val="lt1"/>
+          </a:fontRef>
+        </p:style>
+        <p:txBody>
+          <a:bodyPr rtlCol="0" anchor="ctr"/>
+          <a:lstStyle/>
+          <a:p>
+            <a:pPr algn="ctr"/>
+            <a:endParaRPr kumimoji="1" lang="ja-JP" altLang="en-US"/>
+          </a:p>
+        </p:txBody>
+      </p:sp>
+      <p:sp>
+        <p:nvSpPr>
+          <p:cNvPr id="8" name="円/楕円 7"/>
+          <p:cNvSpPr/>
+          <p:nvPr/>
+        </p:nvSpPr>
+        <p:spPr>
+          <a:xfrm>
+            <a:off x="6736415" y="5224377"/>
+            <a:ext cx="434089" cy="417951"/>
+          </a:xfrm>
+          <a:prstGeom prst="ellipse">
+            <a:avLst/>
+          </a:prstGeom>
+          <a:solidFill>
+            <a:schemeClr val="accent2"/>
+          </a:solidFill>
+          <a:ln>
+            <a:solidFill>
+              <a:schemeClr val="accent2"/>
+            </a:solidFill>
+          </a:ln>
+        </p:spPr>
+        <p:style>
+          <a:lnRef idx="1">
+            <a:schemeClr val="accent1"/>
+          </a:lnRef>
+          <a:fillRef idx="3">
+            <a:schemeClr val="accent1"/>
+          </a:fillRef>
+          <a:effectRef idx="2">
+            <a:schemeClr val="accent1"/>
+          </a:effectRef>
+          <a:fontRef idx="minor">
+            <a:schemeClr val="lt1"/>
+          </a:fontRef>
+        </p:style>
+        <p:txBody>
+          <a:bodyPr rtlCol="0" anchor="ctr"/>
+          <a:lstStyle/>
+          <a:p>
+            <a:pPr algn="ctr"/>
+            <a:endParaRPr kumimoji="1" lang="ja-JP" altLang="en-US"/>
+          </a:p>
+        </p:txBody>
+      </p:sp>
+      <p:sp>
+        <p:nvSpPr>
+          <p:cNvPr id="9" name="円/楕円 8"/>
+          <p:cNvSpPr/>
+          <p:nvPr/>
+        </p:nvSpPr>
+        <p:spPr>
+          <a:xfrm>
+            <a:off x="7451858" y="5224377"/>
+            <a:ext cx="401934" cy="417951"/>
+          </a:xfrm>
+          <a:prstGeom prst="ellipse">
+            <a:avLst/>
+          </a:prstGeom>
+          <a:solidFill>
+            <a:schemeClr val="accent2"/>
+          </a:solidFill>
+          <a:ln>
+            <a:solidFill>
+              <a:schemeClr val="accent2"/>
+            </a:solidFill>
+          </a:ln>
+        </p:spPr>
+        <p:style>
+          <a:lnRef idx="1">
+            <a:schemeClr val="accent1"/>
+          </a:lnRef>
+          <a:fillRef idx="3">
+            <a:schemeClr val="accent1"/>
+          </a:fillRef>
+          <a:effectRef idx="2">
+            <a:schemeClr val="accent1"/>
+          </a:effectRef>
+          <a:fontRef idx="minor">
+            <a:schemeClr val="lt1"/>
+          </a:fontRef>
+        </p:style>
+        <p:txBody>
+          <a:bodyPr rtlCol="0" anchor="ctr"/>
+          <a:lstStyle/>
+          <a:p>
+            <a:pPr algn="ctr"/>
+            <a:endParaRPr kumimoji="1" lang="ja-JP" altLang="en-US"/>
+          </a:p>
+        </p:txBody>
+      </p:sp>
+      <p:sp>
+        <p:nvSpPr>
+          <p:cNvPr id="10" name="円/楕円 9"/>
+          <p:cNvSpPr/>
+          <p:nvPr/>
+        </p:nvSpPr>
+        <p:spPr>
+          <a:xfrm>
+            <a:off x="8006192" y="5433352"/>
+            <a:ext cx="401934" cy="417951"/>
+          </a:xfrm>
+          <a:prstGeom prst="ellipse">
+            <a:avLst/>
+          </a:prstGeom>
+          <a:solidFill>
+            <a:schemeClr val="accent2"/>
+          </a:solidFill>
+          <a:ln>
+            <a:solidFill>
+              <a:schemeClr val="accent2"/>
+            </a:solidFill>
+          </a:ln>
+        </p:spPr>
+        <p:style>
+          <a:lnRef idx="1">
+            <a:schemeClr val="accent1"/>
+          </a:lnRef>
+          <a:fillRef idx="3">
+            <a:schemeClr val="accent1"/>
+          </a:fillRef>
+          <a:effectRef idx="2">
+            <a:schemeClr val="accent1"/>
+          </a:effectRef>
+          <a:fontRef idx="minor">
+            <a:schemeClr val="lt1"/>
+          </a:fontRef>
+        </p:style>
+        <p:txBody>
+          <a:bodyPr rtlCol="0" anchor="ctr"/>
+          <a:lstStyle/>
+          <a:p>
+            <a:pPr algn="ctr"/>
+            <a:endParaRPr kumimoji="1" lang="ja-JP" altLang="en-US"/>
+          </a:p>
+        </p:txBody>
+      </p:sp>
+      <p:sp>
+        <p:nvSpPr>
+          <p:cNvPr id="11" name="円/楕円 10"/>
+          <p:cNvSpPr/>
+          <p:nvPr/>
+        </p:nvSpPr>
+        <p:spPr>
+          <a:xfrm>
+            <a:off x="8021935" y="5917187"/>
+            <a:ext cx="401934" cy="417951"/>
+          </a:xfrm>
+          <a:prstGeom prst="ellipse">
+            <a:avLst/>
+          </a:prstGeom>
+          <a:solidFill>
+            <a:schemeClr val="accent2"/>
+          </a:solidFill>
+          <a:ln>
+            <a:solidFill>
+              <a:schemeClr val="accent2"/>
+            </a:solidFill>
+          </a:ln>
+        </p:spPr>
+        <p:style>
+          <a:lnRef idx="1">
+            <a:schemeClr val="accent1"/>
+          </a:lnRef>
+          <a:fillRef idx="3">
+            <a:schemeClr val="accent1"/>
+          </a:fillRef>
+          <a:effectRef idx="2">
+            <a:schemeClr val="accent1"/>
+          </a:effectRef>
+          <a:fontRef idx="minor">
+            <a:schemeClr val="lt1"/>
+          </a:fontRef>
+        </p:style>
+        <p:txBody>
+          <a:bodyPr rtlCol="0" anchor="ctr"/>
+          <a:lstStyle/>
+          <a:p>
+            <a:pPr algn="ctr"/>
+            <a:endParaRPr kumimoji="1" lang="ja-JP" altLang="en-US"/>
+          </a:p>
+        </p:txBody>
+      </p:sp>
+      <p:sp>
+        <p:nvSpPr>
+          <p:cNvPr id="12" name="円/楕円 11"/>
+          <p:cNvSpPr/>
+          <p:nvPr/>
+        </p:nvSpPr>
+        <p:spPr>
+          <a:xfrm>
+            <a:off x="6093319" y="5063627"/>
+            <a:ext cx="289059" cy="321500"/>
+          </a:xfrm>
+          <a:prstGeom prst="ellipse">
+            <a:avLst/>
+          </a:prstGeom>
+          <a:solidFill>
+            <a:schemeClr val="accent3"/>
+          </a:solidFill>
+          <a:ln>
+            <a:solidFill>
+              <a:schemeClr val="accent3"/>
+            </a:solidFill>
+          </a:ln>
+        </p:spPr>
+        <p:style>
+          <a:lnRef idx="1">
+            <a:schemeClr val="accent1"/>
+          </a:lnRef>
+          <a:fillRef idx="3">
+            <a:schemeClr val="accent1"/>
+          </a:fillRef>
+          <a:effectRef idx="2">
+            <a:schemeClr val="accent1"/>
+          </a:effectRef>
+          <a:fontRef idx="minor">
+            <a:schemeClr val="lt1"/>
+          </a:fontRef>
+        </p:style>
+        <p:txBody>
+          <a:bodyPr rtlCol="0" anchor="ctr"/>
+          <a:lstStyle/>
+          <a:p>
+            <a:pPr algn="ctr"/>
+            <a:endParaRPr kumimoji="1" lang="ja-JP" altLang="en-US"/>
+          </a:p>
+        </p:txBody>
+      </p:sp>
+      <p:sp>
+        <p:nvSpPr>
+          <p:cNvPr id="14" name="円/楕円 13"/>
+          <p:cNvSpPr/>
+          <p:nvPr/>
+        </p:nvSpPr>
+        <p:spPr>
+          <a:xfrm>
+            <a:off x="7709262" y="4404552"/>
+            <a:ext cx="289059" cy="321500"/>
+          </a:xfrm>
+          <a:prstGeom prst="ellipse">
+            <a:avLst/>
+          </a:prstGeom>
+          <a:solidFill>
+            <a:schemeClr val="accent3"/>
+          </a:solidFill>
+          <a:ln>
+            <a:solidFill>
+              <a:schemeClr val="accent3"/>
+            </a:solidFill>
+          </a:ln>
+        </p:spPr>
+        <p:style>
+          <a:lnRef idx="1">
+            <a:schemeClr val="accent1"/>
+          </a:lnRef>
+          <a:fillRef idx="3">
+            <a:schemeClr val="accent1"/>
+          </a:fillRef>
+          <a:effectRef idx="2">
+            <a:schemeClr val="accent1"/>
+          </a:effectRef>
+          <a:fontRef idx="minor">
+            <a:schemeClr val="lt1"/>
+          </a:fontRef>
+        </p:style>
+        <p:txBody>
+          <a:bodyPr rtlCol="0" anchor="ctr"/>
+          <a:lstStyle/>
+          <a:p>
+            <a:pPr algn="ctr"/>
+            <a:endParaRPr kumimoji="1" lang="ja-JP" altLang="en-US"/>
+          </a:p>
+        </p:txBody>
+      </p:sp>
+      <p:sp>
+        <p:nvSpPr>
+          <p:cNvPr id="15" name="円/楕円 14"/>
+          <p:cNvSpPr/>
+          <p:nvPr/>
+        </p:nvSpPr>
+        <p:spPr>
+          <a:xfrm>
+            <a:off x="8279339" y="4742127"/>
+            <a:ext cx="289059" cy="321500"/>
+          </a:xfrm>
+          <a:prstGeom prst="ellipse">
+            <a:avLst/>
+          </a:prstGeom>
+          <a:solidFill>
+            <a:schemeClr val="accent3"/>
+          </a:solidFill>
+          <a:ln>
+            <a:solidFill>
+              <a:schemeClr val="accent3"/>
+            </a:solidFill>
+          </a:ln>
+        </p:spPr>
+        <p:style>
+          <a:lnRef idx="1">
+            <a:schemeClr val="accent1"/>
+          </a:lnRef>
+          <a:fillRef idx="3">
+            <a:schemeClr val="accent1"/>
+          </a:fillRef>
+          <a:effectRef idx="2">
+            <a:schemeClr val="accent1"/>
+          </a:effectRef>
+          <a:fontRef idx="minor">
+            <a:schemeClr val="lt1"/>
+          </a:fontRef>
+        </p:style>
+        <p:txBody>
+          <a:bodyPr rtlCol="0" anchor="ctr"/>
+          <a:lstStyle/>
+          <a:p>
+            <a:pPr algn="ctr"/>
+            <a:endParaRPr kumimoji="1" lang="ja-JP" altLang="en-US"/>
+          </a:p>
+        </p:txBody>
+      </p:sp>
+      <p:sp>
+        <p:nvSpPr>
+          <p:cNvPr id="16" name="円/楕円 15"/>
+          <p:cNvSpPr/>
+          <p:nvPr/>
+        </p:nvSpPr>
+        <p:spPr>
+          <a:xfrm>
+            <a:off x="8669718" y="4942752"/>
+            <a:ext cx="289059" cy="321500"/>
+          </a:xfrm>
+          <a:prstGeom prst="ellipse">
+            <a:avLst/>
+          </a:prstGeom>
+          <a:solidFill>
+            <a:schemeClr val="accent3"/>
+          </a:solidFill>
+          <a:ln>
+            <a:solidFill>
+              <a:schemeClr val="accent3"/>
+            </a:solidFill>
+          </a:ln>
+        </p:spPr>
+        <p:style>
+          <a:lnRef idx="1">
+            <a:schemeClr val="accent1"/>
+          </a:lnRef>
+          <a:fillRef idx="3">
+            <a:schemeClr val="accent1"/>
+          </a:fillRef>
+          <a:effectRef idx="2">
+            <a:schemeClr val="accent1"/>
+          </a:effectRef>
+          <a:fontRef idx="minor">
+            <a:schemeClr val="lt1"/>
+          </a:fontRef>
+        </p:style>
+        <p:txBody>
+          <a:bodyPr rtlCol="0" anchor="ctr"/>
+          <a:lstStyle/>
+          <a:p>
+            <a:pPr algn="ctr"/>
+            <a:endParaRPr kumimoji="1" lang="ja-JP" altLang="en-US"/>
+          </a:p>
+        </p:txBody>
+      </p:sp>
+      <p:sp>
+        <p:nvSpPr>
+          <p:cNvPr id="17" name="円/楕円 16"/>
+          <p:cNvSpPr/>
+          <p:nvPr/>
+        </p:nvSpPr>
+        <p:spPr>
+          <a:xfrm>
+            <a:off x="8693499" y="5385127"/>
+            <a:ext cx="289059" cy="321500"/>
+          </a:xfrm>
+          <a:prstGeom prst="ellipse">
+            <a:avLst/>
+          </a:prstGeom>
+          <a:solidFill>
+            <a:schemeClr val="accent3"/>
+          </a:solidFill>
+          <a:ln>
+            <a:solidFill>
+              <a:schemeClr val="accent3"/>
+            </a:solidFill>
+          </a:ln>
+        </p:spPr>
+        <p:style>
+          <a:lnRef idx="1">
+            <a:schemeClr val="accent1"/>
+          </a:lnRef>
+          <a:fillRef idx="3">
+            <a:schemeClr val="accent1"/>
+          </a:fillRef>
+          <a:effectRef idx="2">
+            <a:schemeClr val="accent1"/>
+          </a:effectRef>
+          <a:fontRef idx="minor">
+            <a:schemeClr val="lt1"/>
+          </a:fontRef>
+        </p:style>
+        <p:txBody>
+          <a:bodyPr rtlCol="0" anchor="ctr"/>
+          <a:lstStyle/>
+          <a:p>
+            <a:pPr algn="ctr"/>
+            <a:endParaRPr kumimoji="1" lang="ja-JP" altLang="en-US"/>
+          </a:p>
+        </p:txBody>
+      </p:sp>
+      <p:sp>
+        <p:nvSpPr>
+          <p:cNvPr id="18" name="円/楕円 17"/>
+          <p:cNvSpPr/>
+          <p:nvPr/>
+        </p:nvSpPr>
+        <p:spPr>
+          <a:xfrm>
+            <a:off x="6832878" y="4436702"/>
+            <a:ext cx="289059" cy="321500"/>
+          </a:xfrm>
+          <a:prstGeom prst="ellipse">
+            <a:avLst/>
+          </a:prstGeom>
+          <a:solidFill>
+            <a:schemeClr val="accent3"/>
+          </a:solidFill>
+          <a:ln>
+            <a:solidFill>
+              <a:schemeClr val="accent3"/>
+            </a:solidFill>
+          </a:ln>
+        </p:spPr>
+        <p:style>
+          <a:lnRef idx="1">
+            <a:schemeClr val="accent1"/>
+          </a:lnRef>
+          <a:fillRef idx="3">
+            <a:schemeClr val="accent1"/>
+          </a:fillRef>
+          <a:effectRef idx="2">
+            <a:schemeClr val="accent1"/>
+          </a:effectRef>
+          <a:fontRef idx="minor">
+            <a:schemeClr val="lt1"/>
+          </a:fontRef>
+        </p:style>
+        <p:txBody>
+          <a:bodyPr rtlCol="0" anchor="ctr"/>
+          <a:lstStyle/>
+          <a:p>
+            <a:pPr algn="ctr"/>
+            <a:endParaRPr kumimoji="1" lang="ja-JP" altLang="en-US"/>
           </a:p>
         </p:txBody>
       </p:sp>
     </p:spTree>
     <p:extLst>
       <p:ext uri="{BB962C8B-B14F-4D97-AF65-F5344CB8AC3E}">
-        <p14:creationId xmlns:p14="http://schemas.microsoft.com/office/powerpoint/2010/main" val="3483746831"/>
+        <p14:creationId xmlns:p14="http://schemas.microsoft.com/office/powerpoint/2010/main" val="2377595701"/>
       </p:ext>
     </p:extLst>
   </p:cSld>
@@ -4489,12 +5716,24 @@
           <a:lstStyle/>
           <a:p>
             <a:r>
-              <a:rPr kumimoji="1" lang="ja-JP" altLang="en-US" dirty="0" smtClean="0"/>
-              <a:t>実験方法（</a:t>
+              <a:rPr lang="ja-JP" altLang="en-US" dirty="0" smtClean="0"/>
+              <a:t>可視化例</a:t>
+            </a:r>
+            <a:r>
+              <a:rPr kumimoji="1" lang="ja-JP" altLang="en-US" dirty="0" smtClean="0"/>
+              <a:t>（</a:t>
+            </a:r>
+            <a:r>
+              <a:rPr lang="ja-JP" altLang="ja-JP" dirty="0"/>
+              <a:t>2</a:t>
             </a:r>
             <a:r>
               <a:rPr kumimoji="1" lang="en-US" altLang="ja-JP" dirty="0" smtClean="0"/>
-              <a:t>2/2</a:t>
+              <a:t>/</a:t>
+            </a:r>
+            <a:r>
+              <a:rPr kumimoji="1" lang="en-US" altLang="ja-JP" dirty="0" smtClean="0"/>
+              <a:t>2</a:t>
             </a:r>
             <a:r>
               <a:rPr kumimoji="1" lang="ja-JP" altLang="en-US" dirty="0" smtClean="0"/>
@@ -4521,30 +5760,30 @@
           <a:p>
             <a:r>
               <a:rPr kumimoji="1" lang="ja-JP" altLang="en-US" dirty="0" smtClean="0"/>
-              <a:t>元プロジェクトから引用されたものを</a:t>
+              <a:t>リミックスツリーの規模に応じて</a:t>
             </a:r>
             <a:r>
               <a:rPr kumimoji="1" lang="en-US" altLang="ja-JP" dirty="0" smtClean="0"/>
-              <a:t>1</a:t>
-            </a:r>
-            <a:r>
-              <a:rPr kumimoji="1" lang="ja-JP" altLang="en-US" dirty="0" smtClean="0"/>
-              <a:t>段目</a:t>
+              <a:t>2</a:t>
+            </a:r>
+            <a:r>
+              <a:rPr kumimoji="1" lang="ja-JP" altLang="en-US" dirty="0" smtClean="0"/>
+              <a:t>種類のゲームに</a:t>
+            </a:r>
+            <a:r>
+              <a:rPr kumimoji="1" lang="ja-JP" altLang="en-US" dirty="0" smtClean="0"/>
+              <a:t>ついて</a:t>
+            </a:r>
+            <a:r>
+              <a:rPr lang="ja-JP" altLang="en-US" dirty="0" smtClean="0"/>
+              <a:t>可視化</a:t>
             </a:r>
             <a:endParaRPr kumimoji="1" lang="en-US" altLang="ja-JP" dirty="0" smtClean="0"/>
           </a:p>
           <a:p>
             <a:r>
               <a:rPr lang="ja-JP" altLang="en-US" dirty="0" smtClean="0"/>
-              <a:t>以降</a:t>
-            </a:r>
-            <a:r>
-              <a:rPr lang="en-US" altLang="ja-JP" dirty="0" smtClean="0"/>
-              <a:t>1</a:t>
-            </a:r>
-            <a:r>
-              <a:rPr lang="ja-JP" altLang="en-US" dirty="0" smtClean="0"/>
-              <a:t>段目のプロジェクトから引用されたものを</a:t>
+              <a:t>大規模リミックスツリー（約</a:t>
             </a:r>
             <a:r>
               <a:rPr lang="en-US" altLang="ja-JP" dirty="0" smtClean="0"/>
@@ -4552,609 +5791,59 @@
             </a:r>
             <a:r>
               <a:rPr lang="ja-JP" altLang="en-US" dirty="0" smtClean="0"/>
-              <a:t>段目、</a:t>
-            </a:r>
+              <a:t>万個）</a:t>
+            </a:r>
+            <a:endParaRPr lang="en-US" altLang="ja-JP" dirty="0" smtClean="0"/>
+          </a:p>
+          <a:p>
+            <a:pPr lvl="1"/>
             <a:r>
               <a:rPr lang="en-US" altLang="ja-JP" dirty="0" smtClean="0"/>
-              <a:t>3</a:t>
+              <a:t>Pong Starter</a:t>
             </a:r>
             <a:r>
               <a:rPr lang="ja-JP" altLang="en-US" dirty="0" smtClean="0"/>
-              <a:t>段目・・・と</a:t>
-            </a:r>
+              <a:t>（卓球ゲーム）</a:t>
+            </a:r>
+            <a:endParaRPr lang="en-US" altLang="ja-JP" dirty="0"/>
+          </a:p>
+          <a:p>
             <a:r>
               <a:rPr lang="ja-JP" altLang="en-US" dirty="0" smtClean="0"/>
-              <a:t>する</a:t>
+              <a:t>小規模リミックスツリー（約</a:t>
+            </a:r>
+            <a:r>
+              <a:rPr lang="en-US" altLang="ja-JP" dirty="0" smtClean="0"/>
+              <a:t>200</a:t>
+            </a:r>
+            <a:r>
+              <a:rPr lang="ja-JP" altLang="en-US" dirty="0" smtClean="0"/>
+              <a:t>個）</a:t>
             </a:r>
             <a:endParaRPr lang="en-US" altLang="ja-JP" dirty="0" smtClean="0"/>
           </a:p>
           <a:p>
             <a:pPr lvl="1"/>
             <a:r>
+              <a:rPr lang="en-US" altLang="ja-JP" dirty="0" smtClean="0"/>
+              <a:t>Maze Game</a:t>
+            </a:r>
+            <a:r>
               <a:rPr lang="ja-JP" altLang="en-US" dirty="0" smtClean="0"/>
-              <a:t>青：元プロジェクト</a:t>
-            </a:r>
+              <a:t>（迷路ゲーム）</a:t>
+            </a:r>
+            <a:endParaRPr lang="en-US" altLang="ja-JP" dirty="0"/>
+          </a:p>
+          <a:p>
+            <a:pPr lvl="1"/>
             <a:endParaRPr lang="en-US" altLang="ja-JP" dirty="0" smtClean="0"/>
-          </a:p>
-          <a:p>
-            <a:pPr lvl="1"/>
-            <a:r>
-              <a:rPr lang="ja-JP" altLang="en-US" dirty="0" smtClean="0"/>
-              <a:t>赤：</a:t>
-            </a:r>
-            <a:r>
-              <a:rPr lang="en-US" altLang="ja-JP" dirty="0" smtClean="0"/>
-              <a:t>1</a:t>
-            </a:r>
-            <a:r>
-              <a:rPr lang="ja-JP" altLang="en-US" dirty="0" smtClean="0"/>
-              <a:t>段目</a:t>
-            </a:r>
-            <a:endParaRPr lang="en-US" altLang="ja-JP" dirty="0" smtClean="0"/>
-          </a:p>
-          <a:p>
-            <a:pPr lvl="1"/>
-            <a:r>
-              <a:rPr lang="ja-JP" altLang="en-US" dirty="0" smtClean="0"/>
-              <a:t>緑：</a:t>
-            </a:r>
-            <a:r>
-              <a:rPr lang="en-US" altLang="ja-JP" dirty="0" smtClean="0"/>
-              <a:t>2</a:t>
-            </a:r>
-            <a:r>
-              <a:rPr lang="ja-JP" altLang="en-US" dirty="0" smtClean="0"/>
-              <a:t>段目</a:t>
-            </a:r>
-            <a:endParaRPr lang="en-US" altLang="ja-JP" dirty="0" smtClean="0"/>
-          </a:p>
-          <a:p>
-            <a:r>
-              <a:rPr lang="ja-JP" altLang="en-US" dirty="0" smtClean="0"/>
-              <a:t>各段ごとにグラフを作成</a:t>
-            </a:r>
-            <a:endParaRPr lang="en-US" altLang="ja-JP" dirty="0" smtClean="0"/>
-          </a:p>
-          <a:p>
-            <a:pPr marL="0" indent="0">
-              <a:buNone/>
-            </a:pPr>
-            <a:endParaRPr lang="en-US" altLang="ja-JP" dirty="0" smtClean="0"/>
-          </a:p>
-        </p:txBody>
-      </p:sp>
-      <p:pic>
-        <p:nvPicPr>
-          <p:cNvPr id="5" name="図 4" descr="a.png"/>
-          <p:cNvPicPr>
-            <a:picLocks noChangeAspect="1"/>
-          </p:cNvPicPr>
-          <p:nvPr/>
-        </p:nvPicPr>
-        <p:blipFill>
-          <a:blip r:embed="rId2">
-            <a:extLst>
-              <a:ext uri="{28A0092B-C50C-407E-A947-70E740481C1C}">
-                <a14:useLocalDpi xmlns:a14="http://schemas.microsoft.com/office/drawing/2010/main" val="0"/>
-              </a:ext>
-            </a:extLst>
-          </a:blip>
-          <a:stretch>
-            <a:fillRect/>
-          </a:stretch>
-        </p:blipFill>
-        <p:spPr>
-          <a:xfrm>
-            <a:off x="5087651" y="3428396"/>
-            <a:ext cx="4056349" cy="3180018"/>
-          </a:xfrm>
-          <a:prstGeom prst="rect">
-            <a:avLst/>
-          </a:prstGeom>
-        </p:spPr>
-      </p:pic>
-      <p:sp>
-        <p:nvSpPr>
-          <p:cNvPr id="7" name="円/楕円 6"/>
-          <p:cNvSpPr/>
-          <p:nvPr/>
-        </p:nvSpPr>
-        <p:spPr>
-          <a:xfrm>
-            <a:off x="7170504" y="5835228"/>
-            <a:ext cx="482321" cy="498325"/>
-          </a:xfrm>
-          <a:prstGeom prst="ellipse">
-            <a:avLst/>
-          </a:prstGeom>
-        </p:spPr>
-        <p:style>
-          <a:lnRef idx="1">
-            <a:schemeClr val="accent1"/>
-          </a:lnRef>
-          <a:fillRef idx="3">
-            <a:schemeClr val="accent1"/>
-          </a:fillRef>
-          <a:effectRef idx="2">
-            <a:schemeClr val="accent1"/>
-          </a:effectRef>
-          <a:fontRef idx="minor">
-            <a:schemeClr val="lt1"/>
-          </a:fontRef>
-        </p:style>
-        <p:txBody>
-          <a:bodyPr rtlCol="0" anchor="ctr"/>
-          <a:lstStyle/>
-          <a:p>
-            <a:pPr algn="ctr"/>
-            <a:endParaRPr kumimoji="1" lang="ja-JP" altLang="en-US"/>
-          </a:p>
-        </p:txBody>
-      </p:sp>
-      <p:sp>
-        <p:nvSpPr>
-          <p:cNvPr id="8" name="円/楕円 7"/>
-          <p:cNvSpPr/>
-          <p:nvPr/>
-        </p:nvSpPr>
-        <p:spPr>
-          <a:xfrm>
-            <a:off x="6736415" y="5224377"/>
-            <a:ext cx="434089" cy="417951"/>
-          </a:xfrm>
-          <a:prstGeom prst="ellipse">
-            <a:avLst/>
-          </a:prstGeom>
-          <a:solidFill>
-            <a:schemeClr val="accent2"/>
-          </a:solidFill>
-          <a:ln>
-            <a:solidFill>
-              <a:schemeClr val="accent2"/>
-            </a:solidFill>
-          </a:ln>
-        </p:spPr>
-        <p:style>
-          <a:lnRef idx="1">
-            <a:schemeClr val="accent1"/>
-          </a:lnRef>
-          <a:fillRef idx="3">
-            <a:schemeClr val="accent1"/>
-          </a:fillRef>
-          <a:effectRef idx="2">
-            <a:schemeClr val="accent1"/>
-          </a:effectRef>
-          <a:fontRef idx="minor">
-            <a:schemeClr val="lt1"/>
-          </a:fontRef>
-        </p:style>
-        <p:txBody>
-          <a:bodyPr rtlCol="0" anchor="ctr"/>
-          <a:lstStyle/>
-          <a:p>
-            <a:pPr algn="ctr"/>
-            <a:endParaRPr kumimoji="1" lang="ja-JP" altLang="en-US"/>
-          </a:p>
-        </p:txBody>
-      </p:sp>
-      <p:sp>
-        <p:nvSpPr>
-          <p:cNvPr id="9" name="円/楕円 8"/>
-          <p:cNvSpPr/>
-          <p:nvPr/>
-        </p:nvSpPr>
-        <p:spPr>
-          <a:xfrm>
-            <a:off x="7451858" y="5224377"/>
-            <a:ext cx="401934" cy="417951"/>
-          </a:xfrm>
-          <a:prstGeom prst="ellipse">
-            <a:avLst/>
-          </a:prstGeom>
-          <a:solidFill>
-            <a:schemeClr val="accent2"/>
-          </a:solidFill>
-          <a:ln>
-            <a:solidFill>
-              <a:schemeClr val="accent2"/>
-            </a:solidFill>
-          </a:ln>
-        </p:spPr>
-        <p:style>
-          <a:lnRef idx="1">
-            <a:schemeClr val="accent1"/>
-          </a:lnRef>
-          <a:fillRef idx="3">
-            <a:schemeClr val="accent1"/>
-          </a:fillRef>
-          <a:effectRef idx="2">
-            <a:schemeClr val="accent1"/>
-          </a:effectRef>
-          <a:fontRef idx="minor">
-            <a:schemeClr val="lt1"/>
-          </a:fontRef>
-        </p:style>
-        <p:txBody>
-          <a:bodyPr rtlCol="0" anchor="ctr"/>
-          <a:lstStyle/>
-          <a:p>
-            <a:pPr algn="ctr"/>
-            <a:endParaRPr kumimoji="1" lang="ja-JP" altLang="en-US"/>
-          </a:p>
-        </p:txBody>
-      </p:sp>
-      <p:sp>
-        <p:nvSpPr>
-          <p:cNvPr id="10" name="円/楕円 9"/>
-          <p:cNvSpPr/>
-          <p:nvPr/>
-        </p:nvSpPr>
-        <p:spPr>
-          <a:xfrm>
-            <a:off x="8006192" y="5433352"/>
-            <a:ext cx="401934" cy="417951"/>
-          </a:xfrm>
-          <a:prstGeom prst="ellipse">
-            <a:avLst/>
-          </a:prstGeom>
-          <a:solidFill>
-            <a:schemeClr val="accent2"/>
-          </a:solidFill>
-          <a:ln>
-            <a:solidFill>
-              <a:schemeClr val="accent2"/>
-            </a:solidFill>
-          </a:ln>
-        </p:spPr>
-        <p:style>
-          <a:lnRef idx="1">
-            <a:schemeClr val="accent1"/>
-          </a:lnRef>
-          <a:fillRef idx="3">
-            <a:schemeClr val="accent1"/>
-          </a:fillRef>
-          <a:effectRef idx="2">
-            <a:schemeClr val="accent1"/>
-          </a:effectRef>
-          <a:fontRef idx="minor">
-            <a:schemeClr val="lt1"/>
-          </a:fontRef>
-        </p:style>
-        <p:txBody>
-          <a:bodyPr rtlCol="0" anchor="ctr"/>
-          <a:lstStyle/>
-          <a:p>
-            <a:pPr algn="ctr"/>
-            <a:endParaRPr kumimoji="1" lang="ja-JP" altLang="en-US"/>
-          </a:p>
-        </p:txBody>
-      </p:sp>
-      <p:sp>
-        <p:nvSpPr>
-          <p:cNvPr id="11" name="円/楕円 10"/>
-          <p:cNvSpPr/>
-          <p:nvPr/>
-        </p:nvSpPr>
-        <p:spPr>
-          <a:xfrm>
-            <a:off x="8021935" y="5917187"/>
-            <a:ext cx="401934" cy="417951"/>
-          </a:xfrm>
-          <a:prstGeom prst="ellipse">
-            <a:avLst/>
-          </a:prstGeom>
-          <a:solidFill>
-            <a:schemeClr val="accent2"/>
-          </a:solidFill>
-          <a:ln>
-            <a:solidFill>
-              <a:schemeClr val="accent2"/>
-            </a:solidFill>
-          </a:ln>
-        </p:spPr>
-        <p:style>
-          <a:lnRef idx="1">
-            <a:schemeClr val="accent1"/>
-          </a:lnRef>
-          <a:fillRef idx="3">
-            <a:schemeClr val="accent1"/>
-          </a:fillRef>
-          <a:effectRef idx="2">
-            <a:schemeClr val="accent1"/>
-          </a:effectRef>
-          <a:fontRef idx="minor">
-            <a:schemeClr val="lt1"/>
-          </a:fontRef>
-        </p:style>
-        <p:txBody>
-          <a:bodyPr rtlCol="0" anchor="ctr"/>
-          <a:lstStyle/>
-          <a:p>
-            <a:pPr algn="ctr"/>
-            <a:endParaRPr kumimoji="1" lang="ja-JP" altLang="en-US"/>
-          </a:p>
-        </p:txBody>
-      </p:sp>
-      <p:sp>
-        <p:nvSpPr>
-          <p:cNvPr id="12" name="円/楕円 11"/>
-          <p:cNvSpPr/>
-          <p:nvPr/>
-        </p:nvSpPr>
-        <p:spPr>
-          <a:xfrm>
-            <a:off x="6093319" y="5063627"/>
-            <a:ext cx="289059" cy="321500"/>
-          </a:xfrm>
-          <a:prstGeom prst="ellipse">
-            <a:avLst/>
-          </a:prstGeom>
-          <a:solidFill>
-            <a:schemeClr val="accent3"/>
-          </a:solidFill>
-          <a:ln>
-            <a:solidFill>
-              <a:schemeClr val="accent3"/>
-            </a:solidFill>
-          </a:ln>
-        </p:spPr>
-        <p:style>
-          <a:lnRef idx="1">
-            <a:schemeClr val="accent1"/>
-          </a:lnRef>
-          <a:fillRef idx="3">
-            <a:schemeClr val="accent1"/>
-          </a:fillRef>
-          <a:effectRef idx="2">
-            <a:schemeClr val="accent1"/>
-          </a:effectRef>
-          <a:fontRef idx="minor">
-            <a:schemeClr val="lt1"/>
-          </a:fontRef>
-        </p:style>
-        <p:txBody>
-          <a:bodyPr rtlCol="0" anchor="ctr"/>
-          <a:lstStyle/>
-          <a:p>
-            <a:pPr algn="ctr"/>
-            <a:endParaRPr kumimoji="1" lang="ja-JP" altLang="en-US"/>
-          </a:p>
-        </p:txBody>
-      </p:sp>
-      <p:sp>
-        <p:nvSpPr>
-          <p:cNvPr id="14" name="円/楕円 13"/>
-          <p:cNvSpPr/>
-          <p:nvPr/>
-        </p:nvSpPr>
-        <p:spPr>
-          <a:xfrm>
-            <a:off x="7709262" y="4404552"/>
-            <a:ext cx="289059" cy="321500"/>
-          </a:xfrm>
-          <a:prstGeom prst="ellipse">
-            <a:avLst/>
-          </a:prstGeom>
-          <a:solidFill>
-            <a:schemeClr val="accent3"/>
-          </a:solidFill>
-          <a:ln>
-            <a:solidFill>
-              <a:schemeClr val="accent3"/>
-            </a:solidFill>
-          </a:ln>
-        </p:spPr>
-        <p:style>
-          <a:lnRef idx="1">
-            <a:schemeClr val="accent1"/>
-          </a:lnRef>
-          <a:fillRef idx="3">
-            <a:schemeClr val="accent1"/>
-          </a:fillRef>
-          <a:effectRef idx="2">
-            <a:schemeClr val="accent1"/>
-          </a:effectRef>
-          <a:fontRef idx="minor">
-            <a:schemeClr val="lt1"/>
-          </a:fontRef>
-        </p:style>
-        <p:txBody>
-          <a:bodyPr rtlCol="0" anchor="ctr"/>
-          <a:lstStyle/>
-          <a:p>
-            <a:pPr algn="ctr"/>
-            <a:endParaRPr kumimoji="1" lang="ja-JP" altLang="en-US"/>
-          </a:p>
-        </p:txBody>
-      </p:sp>
-      <p:sp>
-        <p:nvSpPr>
-          <p:cNvPr id="15" name="円/楕円 14"/>
-          <p:cNvSpPr/>
-          <p:nvPr/>
-        </p:nvSpPr>
-        <p:spPr>
-          <a:xfrm>
-            <a:off x="8279339" y="4742127"/>
-            <a:ext cx="289059" cy="321500"/>
-          </a:xfrm>
-          <a:prstGeom prst="ellipse">
-            <a:avLst/>
-          </a:prstGeom>
-          <a:solidFill>
-            <a:schemeClr val="accent3"/>
-          </a:solidFill>
-          <a:ln>
-            <a:solidFill>
-              <a:schemeClr val="accent3"/>
-            </a:solidFill>
-          </a:ln>
-        </p:spPr>
-        <p:style>
-          <a:lnRef idx="1">
-            <a:schemeClr val="accent1"/>
-          </a:lnRef>
-          <a:fillRef idx="3">
-            <a:schemeClr val="accent1"/>
-          </a:fillRef>
-          <a:effectRef idx="2">
-            <a:schemeClr val="accent1"/>
-          </a:effectRef>
-          <a:fontRef idx="minor">
-            <a:schemeClr val="lt1"/>
-          </a:fontRef>
-        </p:style>
-        <p:txBody>
-          <a:bodyPr rtlCol="0" anchor="ctr"/>
-          <a:lstStyle/>
-          <a:p>
-            <a:pPr algn="ctr"/>
-            <a:endParaRPr kumimoji="1" lang="ja-JP" altLang="en-US"/>
-          </a:p>
-        </p:txBody>
-      </p:sp>
-      <p:sp>
-        <p:nvSpPr>
-          <p:cNvPr id="16" name="円/楕円 15"/>
-          <p:cNvSpPr/>
-          <p:nvPr/>
-        </p:nvSpPr>
-        <p:spPr>
-          <a:xfrm>
-            <a:off x="8669718" y="4942752"/>
-            <a:ext cx="289059" cy="321500"/>
-          </a:xfrm>
-          <a:prstGeom prst="ellipse">
-            <a:avLst/>
-          </a:prstGeom>
-          <a:solidFill>
-            <a:schemeClr val="accent3"/>
-          </a:solidFill>
-          <a:ln>
-            <a:solidFill>
-              <a:schemeClr val="accent3"/>
-            </a:solidFill>
-          </a:ln>
-        </p:spPr>
-        <p:style>
-          <a:lnRef idx="1">
-            <a:schemeClr val="accent1"/>
-          </a:lnRef>
-          <a:fillRef idx="3">
-            <a:schemeClr val="accent1"/>
-          </a:fillRef>
-          <a:effectRef idx="2">
-            <a:schemeClr val="accent1"/>
-          </a:effectRef>
-          <a:fontRef idx="minor">
-            <a:schemeClr val="lt1"/>
-          </a:fontRef>
-        </p:style>
-        <p:txBody>
-          <a:bodyPr rtlCol="0" anchor="ctr"/>
-          <a:lstStyle/>
-          <a:p>
-            <a:pPr algn="ctr"/>
-            <a:endParaRPr kumimoji="1" lang="ja-JP" altLang="en-US"/>
-          </a:p>
-        </p:txBody>
-      </p:sp>
-      <p:sp>
-        <p:nvSpPr>
-          <p:cNvPr id="17" name="円/楕円 16"/>
-          <p:cNvSpPr/>
-          <p:nvPr/>
-        </p:nvSpPr>
-        <p:spPr>
-          <a:xfrm>
-            <a:off x="8693499" y="5385127"/>
-            <a:ext cx="289059" cy="321500"/>
-          </a:xfrm>
-          <a:prstGeom prst="ellipse">
-            <a:avLst/>
-          </a:prstGeom>
-          <a:solidFill>
-            <a:schemeClr val="accent3"/>
-          </a:solidFill>
-          <a:ln>
-            <a:solidFill>
-              <a:schemeClr val="accent3"/>
-            </a:solidFill>
-          </a:ln>
-        </p:spPr>
-        <p:style>
-          <a:lnRef idx="1">
-            <a:schemeClr val="accent1"/>
-          </a:lnRef>
-          <a:fillRef idx="3">
-            <a:schemeClr val="accent1"/>
-          </a:fillRef>
-          <a:effectRef idx="2">
-            <a:schemeClr val="accent1"/>
-          </a:effectRef>
-          <a:fontRef idx="minor">
-            <a:schemeClr val="lt1"/>
-          </a:fontRef>
-        </p:style>
-        <p:txBody>
-          <a:bodyPr rtlCol="0" anchor="ctr"/>
-          <a:lstStyle/>
-          <a:p>
-            <a:pPr algn="ctr"/>
-            <a:endParaRPr kumimoji="1" lang="ja-JP" altLang="en-US"/>
-          </a:p>
-        </p:txBody>
-      </p:sp>
-      <p:sp>
-        <p:nvSpPr>
-          <p:cNvPr id="18" name="円/楕円 17"/>
-          <p:cNvSpPr/>
-          <p:nvPr/>
-        </p:nvSpPr>
-        <p:spPr>
-          <a:xfrm>
-            <a:off x="6832878" y="4436702"/>
-            <a:ext cx="289059" cy="321500"/>
-          </a:xfrm>
-          <a:prstGeom prst="ellipse">
-            <a:avLst/>
-          </a:prstGeom>
-          <a:solidFill>
-            <a:schemeClr val="accent3"/>
-          </a:solidFill>
-          <a:ln>
-            <a:solidFill>
-              <a:schemeClr val="accent3"/>
-            </a:solidFill>
-          </a:ln>
-        </p:spPr>
-        <p:style>
-          <a:lnRef idx="1">
-            <a:schemeClr val="accent1"/>
-          </a:lnRef>
-          <a:fillRef idx="3">
-            <a:schemeClr val="accent1"/>
-          </a:fillRef>
-          <a:effectRef idx="2">
-            <a:schemeClr val="accent1"/>
-          </a:effectRef>
-          <a:fontRef idx="minor">
-            <a:schemeClr val="lt1"/>
-          </a:fontRef>
-        </p:style>
-        <p:txBody>
-          <a:bodyPr rtlCol="0" anchor="ctr"/>
-          <a:lstStyle/>
-          <a:p>
-            <a:pPr algn="ctr"/>
-            <a:endParaRPr kumimoji="1" lang="ja-JP" altLang="en-US"/>
           </a:p>
         </p:txBody>
       </p:sp>
     </p:spTree>
     <p:extLst>
       <p:ext uri="{BB962C8B-B14F-4D97-AF65-F5344CB8AC3E}">
-        <p14:creationId xmlns:p14="http://schemas.microsoft.com/office/powerpoint/2010/main" val="2377595701"/>
+        <p14:creationId xmlns:p14="http://schemas.microsoft.com/office/powerpoint/2010/main" val="3483746831"/>
       </p:ext>
     </p:extLst>
   </p:cSld>
@@ -5205,11 +5894,7 @@
           <a:p>
             <a:r>
               <a:rPr kumimoji="1" lang="ja-JP" altLang="en-US" dirty="0" smtClean="0"/>
-              <a:t>実験</a:t>
-            </a:r>
-            <a:r>
-              <a:rPr kumimoji="1" lang="ja-JP" altLang="en-US" dirty="0" smtClean="0"/>
-              <a:t>結果</a:t>
+              <a:t>実験結果</a:t>
             </a:r>
             <a:r>
               <a:rPr kumimoji="1" lang="en-US" altLang="ja-JP" dirty="0" smtClean="0"/>
@@ -5279,7 +5964,7 @@
           <p:nvPr/>
         </p:nvPicPr>
         <p:blipFill>
-          <a:blip r:embed="rId2">
+          <a:blip r:embed="rId3">
             <a:extLst>
               <a:ext uri="{28A0092B-C50C-407E-A947-70E740481C1C}">
                 <a14:useLocalDpi xmlns:a14="http://schemas.microsoft.com/office/drawing/2010/main" val="0"/>
@@ -5309,7 +5994,7 @@
           <p:nvPr/>
         </p:nvPicPr>
         <p:blipFill>
-          <a:blip r:embed="rId3">
+          <a:blip r:embed="rId4">
             <a:extLst>
               <a:ext uri="{28A0092B-C50C-407E-A947-70E740481C1C}">
                 <a14:useLocalDpi xmlns:a14="http://schemas.microsoft.com/office/drawing/2010/main" val="0"/>
@@ -5452,11 +6137,7 @@
           <a:p>
             <a:r>
               <a:rPr kumimoji="1" lang="ja-JP" altLang="en-US" dirty="0" smtClean="0"/>
-              <a:t>実験</a:t>
-            </a:r>
-            <a:r>
-              <a:rPr kumimoji="1" lang="ja-JP" altLang="en-US" dirty="0" smtClean="0"/>
-              <a:t>結果</a:t>
+              <a:t>実験結果</a:t>
             </a:r>
             <a:r>
               <a:rPr kumimoji="1" lang="en-US" altLang="ja-JP" dirty="0" smtClean="0"/>
@@ -5598,7 +6279,7 @@
           <p:nvPr/>
         </p:nvPicPr>
         <p:blipFill>
-          <a:blip r:embed="rId2">
+          <a:blip r:embed="rId3">
             <a:extLst>
               <a:ext uri="{28A0092B-C50C-407E-A947-70E740481C1C}">
                 <a14:useLocalDpi xmlns:a14="http://schemas.microsoft.com/office/drawing/2010/main" val="0"/>
@@ -5628,7 +6309,7 @@
           <p:nvPr/>
         </p:nvPicPr>
         <p:blipFill>
-          <a:blip r:embed="rId3">
+          <a:blip r:embed="rId4">
             <a:extLst>
               <a:ext uri="{28A0092B-C50C-407E-A947-70E740481C1C}">
                 <a14:useLocalDpi xmlns:a14="http://schemas.microsoft.com/office/drawing/2010/main" val="0"/>
@@ -5703,521 +6384,7 @@
           <a:p>
             <a:r>
               <a:rPr kumimoji="1" lang="ja-JP" altLang="en-US" dirty="0" smtClean="0"/>
-              <a:t>実験</a:t>
-            </a:r>
-            <a:r>
-              <a:rPr kumimoji="1" lang="ja-JP" altLang="en-US" dirty="0" smtClean="0"/>
-              <a:t>結果</a:t>
-            </a:r>
-            <a:r>
-              <a:rPr kumimoji="1" lang="en-US" altLang="ja-JP" dirty="0" smtClean="0"/>
-              <a:t>1</a:t>
-            </a:r>
-            <a:r>
-              <a:rPr kumimoji="1" lang="ja-JP" altLang="en-US" dirty="0" smtClean="0"/>
-              <a:t>　</a:t>
-            </a:r>
-            <a:r>
-              <a:rPr kumimoji="1" lang="en-US" altLang="ja-JP" dirty="0" smtClean="0"/>
-              <a:t>Pong Starter</a:t>
-            </a:r>
-            <a:r>
-              <a:rPr kumimoji="1" lang="ja-JP" altLang="en-US" dirty="0" smtClean="0"/>
-              <a:t>（</a:t>
-            </a:r>
-            <a:r>
-              <a:rPr lang="ja-JP" altLang="ja-JP" dirty="0"/>
-              <a:t>3</a:t>
-            </a:r>
-            <a:r>
-              <a:rPr kumimoji="1" lang="en-US" altLang="ja-JP" dirty="0" smtClean="0"/>
-              <a:t>/8</a:t>
-            </a:r>
-            <a:r>
-              <a:rPr kumimoji="1" lang="ja-JP" altLang="en-US" dirty="0" smtClean="0"/>
-              <a:t>）</a:t>
-            </a:r>
-            <a:endParaRPr kumimoji="1" lang="ja-JP" altLang="en-US" dirty="0"/>
-          </a:p>
-        </p:txBody>
-      </p:sp>
-      <p:sp>
-        <p:nvSpPr>
-          <p:cNvPr id="3" name="コンテンツ プレースホルダー 2"/>
-          <p:cNvSpPr>
-            <a:spLocks noGrp="1"/>
-          </p:cNvSpPr>
-          <p:nvPr>
-            <p:ph idx="1"/>
-          </p:nvPr>
-        </p:nvSpPr>
-        <p:spPr/>
-        <p:txBody>
-          <a:bodyPr/>
-          <a:lstStyle/>
-          <a:p>
-            <a:r>
-              <a:rPr lang="ja-JP" altLang="en-US" dirty="0" smtClean="0"/>
-              <a:t>スプライト</a:t>
-            </a:r>
-            <a:r>
-              <a:rPr kumimoji="1" lang="ja-JP" altLang="en-US" dirty="0" smtClean="0"/>
-              <a:t>数と</a:t>
-            </a:r>
-            <a:r>
-              <a:rPr kumimoji="1" lang="en-US" altLang="ja-JP" dirty="0" err="1" smtClean="0"/>
-              <a:t>cos</a:t>
-            </a:r>
-            <a:r>
-              <a:rPr kumimoji="1" lang="ja-JP" altLang="en-US" dirty="0" smtClean="0"/>
-              <a:t>類似度の散布図</a:t>
-            </a:r>
-            <a:endParaRPr kumimoji="1" lang="ja-JP" altLang="en-US" dirty="0"/>
-          </a:p>
-        </p:txBody>
-      </p:sp>
-      <p:pic>
-        <p:nvPicPr>
-          <p:cNvPr id="4" name="図 3" descr="graph_1_splite.pdf"/>
-          <p:cNvPicPr>
-            <a:picLocks noChangeAspect="1"/>
-          </p:cNvPicPr>
-          <p:nvPr/>
-        </p:nvPicPr>
-        <p:blipFill>
-          <a:blip r:embed="rId2">
-            <a:extLst>
-              <a:ext uri="{28A0092B-C50C-407E-A947-70E740481C1C}">
-                <a14:useLocalDpi xmlns:a14="http://schemas.microsoft.com/office/drawing/2010/main" val="0"/>
-              </a:ext>
-            </a:extLst>
-          </a:blip>
-          <a:stretch>
-            <a:fillRect/>
-          </a:stretch>
-        </p:blipFill>
-        <p:spPr>
-          <a:xfrm>
-            <a:off x="-15827" y="2610922"/>
-            <a:ext cx="4377815" cy="3180956"/>
-          </a:xfrm>
-          <a:prstGeom prst="rect">
-            <a:avLst/>
-          </a:prstGeom>
-        </p:spPr>
-      </p:pic>
-      <p:pic>
-        <p:nvPicPr>
-          <p:cNvPr id="5" name="図 4" descr="graph_2_splite.pdf"/>
-          <p:cNvPicPr>
-            <a:picLocks noChangeAspect="1"/>
-          </p:cNvPicPr>
-          <p:nvPr/>
-        </p:nvPicPr>
-        <p:blipFill>
-          <a:blip r:embed="rId3">
-            <a:extLst>
-              <a:ext uri="{28A0092B-C50C-407E-A947-70E740481C1C}">
-                <a14:useLocalDpi xmlns:a14="http://schemas.microsoft.com/office/drawing/2010/main" val="0"/>
-              </a:ext>
-            </a:extLst>
-          </a:blip>
-          <a:stretch>
-            <a:fillRect/>
-          </a:stretch>
-        </p:blipFill>
-        <p:spPr>
-          <a:xfrm>
-            <a:off x="4774976" y="2610921"/>
-            <a:ext cx="4369024" cy="3180956"/>
-          </a:xfrm>
-          <a:prstGeom prst="rect">
-            <a:avLst/>
-          </a:prstGeom>
-        </p:spPr>
-      </p:pic>
-      <p:sp>
-        <p:nvSpPr>
-          <p:cNvPr id="8" name="テキスト ボックス 7"/>
-          <p:cNvSpPr txBox="1"/>
-          <p:nvPr/>
-        </p:nvSpPr>
-        <p:spPr>
-          <a:xfrm>
-            <a:off x="1655969" y="6126163"/>
-            <a:ext cx="1084802" cy="523220"/>
-          </a:xfrm>
-          <a:prstGeom prst="rect">
-            <a:avLst/>
-          </a:prstGeom>
-          <a:noFill/>
-        </p:spPr>
-        <p:txBody>
-          <a:bodyPr wrap="none" rtlCol="0">
-            <a:spAutoFit/>
-          </a:bodyPr>
-          <a:lstStyle/>
-          <a:p>
-            <a:r>
-              <a:rPr kumimoji="1" lang="en-US" altLang="ja-JP" sz="2800" dirty="0" smtClean="0"/>
-              <a:t>1</a:t>
-            </a:r>
-            <a:r>
-              <a:rPr kumimoji="1" lang="ja-JP" altLang="en-US" sz="2800" dirty="0" smtClean="0"/>
-              <a:t>段目</a:t>
-            </a:r>
-            <a:endParaRPr kumimoji="1" lang="ja-JP" altLang="en-US" sz="2800" dirty="0"/>
-          </a:p>
-        </p:txBody>
-      </p:sp>
-      <p:sp>
-        <p:nvSpPr>
-          <p:cNvPr id="9" name="テキスト ボックス 8"/>
-          <p:cNvSpPr txBox="1"/>
-          <p:nvPr/>
-        </p:nvSpPr>
-        <p:spPr>
-          <a:xfrm>
-            <a:off x="6422572" y="6126163"/>
-            <a:ext cx="1084802" cy="523220"/>
-          </a:xfrm>
-          <a:prstGeom prst="rect">
-            <a:avLst/>
-          </a:prstGeom>
-          <a:noFill/>
-        </p:spPr>
-        <p:txBody>
-          <a:bodyPr wrap="none" rtlCol="0">
-            <a:spAutoFit/>
-          </a:bodyPr>
-          <a:lstStyle/>
-          <a:p>
-            <a:r>
-              <a:rPr lang="en-US" altLang="ja-JP" sz="2800" dirty="0"/>
-              <a:t>2</a:t>
-            </a:r>
-            <a:r>
-              <a:rPr kumimoji="1" lang="ja-JP" altLang="en-US" sz="2800" dirty="0" smtClean="0"/>
-              <a:t>段目</a:t>
-            </a:r>
-            <a:endParaRPr kumimoji="1" lang="ja-JP" altLang="en-US" sz="2800" dirty="0"/>
-          </a:p>
-        </p:txBody>
-      </p:sp>
-    </p:spTree>
-    <p:extLst>
-      <p:ext uri="{BB962C8B-B14F-4D97-AF65-F5344CB8AC3E}">
-        <p14:creationId xmlns:p14="http://schemas.microsoft.com/office/powerpoint/2010/main" val="971013484"/>
-      </p:ext>
-    </p:extLst>
-  </p:cSld>
-  <p:clrMapOvr>
-    <a:masterClrMapping/>
-  </p:clrMapOvr>
-  <p:timing>
-    <p:tnLst>
-      <p:par>
-        <p:cTn xmlns:p14="http://schemas.microsoft.com/office/powerpoint/2010/main" id="1" dur="indefinite" restart="never" nodeType="tmRoot"/>
-      </p:par>
-    </p:tnLst>
-  </p:timing>
-</p:sld>
-</file>
-
-<file path=ppt/slides/slide17.xml><?xml version="1.0" encoding="utf-8"?>
-<p:sld xmlns:a="http://schemas.openxmlformats.org/drawingml/2006/main" xmlns:r="http://schemas.openxmlformats.org/officeDocument/2006/relationships" xmlns:p="http://schemas.openxmlformats.org/presentationml/2006/main">
-  <p:cSld>
-    <p:spTree>
-      <p:nvGrpSpPr>
-        <p:cNvPr id="1" name=""/>
-        <p:cNvGrpSpPr/>
-        <p:nvPr/>
-      </p:nvGrpSpPr>
-      <p:grpSpPr>
-        <a:xfrm>
-          <a:off x="0" y="0"/>
-          <a:ext cx="0" cy="0"/>
-          <a:chOff x="0" y="0"/>
-          <a:chExt cx="0" cy="0"/>
-        </a:xfrm>
-      </p:grpSpPr>
-      <p:sp>
-        <p:nvSpPr>
-          <p:cNvPr id="2" name="タイトル 1"/>
-          <p:cNvSpPr>
-            <a:spLocks noGrp="1"/>
-          </p:cNvSpPr>
-          <p:nvPr>
-            <p:ph type="title"/>
-          </p:nvPr>
-        </p:nvSpPr>
-        <p:spPr/>
-        <p:txBody>
-          <a:bodyPr/>
-          <a:lstStyle/>
-          <a:p>
-            <a:r>
-              <a:rPr kumimoji="1" lang="ja-JP" altLang="en-US" dirty="0" smtClean="0"/>
-              <a:t>実験</a:t>
-            </a:r>
-            <a:r>
-              <a:rPr kumimoji="1" lang="ja-JP" altLang="en-US" dirty="0" smtClean="0"/>
-              <a:t>結果</a:t>
-            </a:r>
-            <a:r>
-              <a:rPr kumimoji="1" lang="en-US" altLang="ja-JP" dirty="0" smtClean="0"/>
-              <a:t>1</a:t>
-            </a:r>
-            <a:r>
-              <a:rPr kumimoji="1" lang="ja-JP" altLang="en-US" dirty="0" smtClean="0"/>
-              <a:t>　</a:t>
-            </a:r>
-            <a:r>
-              <a:rPr kumimoji="1" lang="en-US" altLang="ja-JP" dirty="0" smtClean="0"/>
-              <a:t>Pong Starter</a:t>
-            </a:r>
-            <a:r>
-              <a:rPr kumimoji="1" lang="ja-JP" altLang="en-US" dirty="0" smtClean="0"/>
-              <a:t>（</a:t>
-            </a:r>
-            <a:r>
-              <a:rPr lang="en-US" altLang="ja-JP" dirty="0" smtClean="0"/>
-              <a:t>4</a:t>
-            </a:r>
-            <a:r>
-              <a:rPr kumimoji="1" lang="en-US" altLang="ja-JP" dirty="0" smtClean="0"/>
-              <a:t>/8</a:t>
-            </a:r>
-            <a:r>
-              <a:rPr kumimoji="1" lang="ja-JP" altLang="en-US" dirty="0" smtClean="0"/>
-              <a:t>）</a:t>
-            </a:r>
-            <a:endParaRPr kumimoji="1" lang="ja-JP" altLang="en-US" dirty="0"/>
-          </a:p>
-        </p:txBody>
-      </p:sp>
-      <p:sp>
-        <p:nvSpPr>
-          <p:cNvPr id="3" name="コンテンツ プレースホルダー 2"/>
-          <p:cNvSpPr>
-            <a:spLocks noGrp="1"/>
-          </p:cNvSpPr>
-          <p:nvPr>
-            <p:ph idx="1"/>
-          </p:nvPr>
-        </p:nvSpPr>
-        <p:spPr/>
-        <p:txBody>
-          <a:bodyPr/>
-          <a:lstStyle/>
-          <a:p>
-            <a:r>
-              <a:rPr lang="ja-JP" altLang="en-US" dirty="0" smtClean="0"/>
-              <a:t>スプライト</a:t>
-            </a:r>
-            <a:r>
-              <a:rPr kumimoji="1" lang="ja-JP" altLang="en-US" dirty="0" smtClean="0"/>
-              <a:t>数と</a:t>
-            </a:r>
-            <a:r>
-              <a:rPr kumimoji="1" lang="en-US" altLang="ja-JP" dirty="0" err="1" smtClean="0"/>
-              <a:t>cos</a:t>
-            </a:r>
-            <a:r>
-              <a:rPr kumimoji="1" lang="ja-JP" altLang="en-US" dirty="0" smtClean="0"/>
-              <a:t>類似度の散布図</a:t>
-            </a:r>
-            <a:endParaRPr kumimoji="1" lang="ja-JP" altLang="en-US" dirty="0"/>
-          </a:p>
-        </p:txBody>
-      </p:sp>
-      <p:sp>
-        <p:nvSpPr>
-          <p:cNvPr id="8" name="テキスト ボックス 7"/>
-          <p:cNvSpPr txBox="1"/>
-          <p:nvPr/>
-        </p:nvSpPr>
-        <p:spPr>
-          <a:xfrm>
-            <a:off x="1655969" y="6126163"/>
-            <a:ext cx="1084802" cy="523220"/>
-          </a:xfrm>
-          <a:prstGeom prst="rect">
-            <a:avLst/>
-          </a:prstGeom>
-          <a:noFill/>
-        </p:spPr>
-        <p:txBody>
-          <a:bodyPr wrap="none" rtlCol="0">
-            <a:spAutoFit/>
-          </a:bodyPr>
-          <a:lstStyle/>
-          <a:p>
-            <a:r>
-              <a:rPr lang="en-US" altLang="ja-JP" sz="2800" dirty="0"/>
-              <a:t>3</a:t>
-            </a:r>
-            <a:r>
-              <a:rPr kumimoji="1" lang="ja-JP" altLang="en-US" sz="2800" dirty="0" smtClean="0"/>
-              <a:t>段目</a:t>
-            </a:r>
-            <a:endParaRPr kumimoji="1" lang="ja-JP" altLang="en-US" sz="2800" dirty="0"/>
-          </a:p>
-        </p:txBody>
-      </p:sp>
-      <p:sp>
-        <p:nvSpPr>
-          <p:cNvPr id="9" name="テキスト ボックス 8"/>
-          <p:cNvSpPr txBox="1"/>
-          <p:nvPr/>
-        </p:nvSpPr>
-        <p:spPr>
-          <a:xfrm>
-            <a:off x="6422572" y="6126163"/>
-            <a:ext cx="1084802" cy="523220"/>
-          </a:xfrm>
-          <a:prstGeom prst="rect">
-            <a:avLst/>
-          </a:prstGeom>
-          <a:noFill/>
-        </p:spPr>
-        <p:txBody>
-          <a:bodyPr wrap="none" rtlCol="0">
-            <a:spAutoFit/>
-          </a:bodyPr>
-          <a:lstStyle/>
-          <a:p>
-            <a:r>
-              <a:rPr lang="en-US" altLang="ja-JP" sz="2800" dirty="0" smtClean="0"/>
-              <a:t>4</a:t>
-            </a:r>
-            <a:r>
-              <a:rPr kumimoji="1" lang="ja-JP" altLang="en-US" sz="2800" dirty="0" smtClean="0"/>
-              <a:t>段目</a:t>
-            </a:r>
-            <a:endParaRPr kumimoji="1" lang="ja-JP" altLang="en-US" sz="2800" dirty="0"/>
-          </a:p>
-        </p:txBody>
-      </p:sp>
-      <p:pic>
-        <p:nvPicPr>
-          <p:cNvPr id="6" name="図 5" descr="graph_3_splite.pdf"/>
-          <p:cNvPicPr>
-            <a:picLocks noChangeAspect="1"/>
-          </p:cNvPicPr>
-          <p:nvPr/>
-        </p:nvPicPr>
-        <p:blipFill>
-          <a:blip r:embed="rId2">
-            <a:extLst>
-              <a:ext uri="{28A0092B-C50C-407E-A947-70E740481C1C}">
-                <a14:useLocalDpi xmlns:a14="http://schemas.microsoft.com/office/drawing/2010/main" val="0"/>
-              </a:ext>
-            </a:extLst>
-          </a:blip>
-          <a:stretch>
-            <a:fillRect/>
-          </a:stretch>
-        </p:blipFill>
-        <p:spPr>
-          <a:xfrm>
-            <a:off x="0" y="2422078"/>
-            <a:ext cx="4389120" cy="3189171"/>
-          </a:xfrm>
-          <a:prstGeom prst="rect">
-            <a:avLst/>
-          </a:prstGeom>
-        </p:spPr>
-      </p:pic>
-      <p:pic>
-        <p:nvPicPr>
-          <p:cNvPr id="7" name="図 6" descr="graph_4_splite.pdf"/>
-          <p:cNvPicPr>
-            <a:picLocks noChangeAspect="1"/>
-          </p:cNvPicPr>
-          <p:nvPr/>
-        </p:nvPicPr>
-        <p:blipFill>
-          <a:blip r:embed="rId3">
-            <a:extLst>
-              <a:ext uri="{28A0092B-C50C-407E-A947-70E740481C1C}">
-                <a14:useLocalDpi xmlns:a14="http://schemas.microsoft.com/office/drawing/2010/main" val="0"/>
-              </a:ext>
-            </a:extLst>
-          </a:blip>
-          <a:stretch>
-            <a:fillRect/>
-          </a:stretch>
-        </p:blipFill>
-        <p:spPr>
-          <a:xfrm>
-            <a:off x="4584495" y="2298276"/>
-            <a:ext cx="4559506" cy="3312973"/>
-          </a:xfrm>
-          <a:prstGeom prst="rect">
-            <a:avLst/>
-          </a:prstGeom>
-        </p:spPr>
-      </p:pic>
-    </p:spTree>
-    <p:extLst>
-      <p:ext uri="{BB962C8B-B14F-4D97-AF65-F5344CB8AC3E}">
-        <p14:creationId xmlns:p14="http://schemas.microsoft.com/office/powerpoint/2010/main" val="2597900457"/>
-      </p:ext>
-    </p:extLst>
-  </p:cSld>
-  <p:clrMapOvr>
-    <a:masterClrMapping/>
-  </p:clrMapOvr>
-  <p:timing>
-    <p:tnLst>
-      <p:par>
-        <p:cTn xmlns:p14="http://schemas.microsoft.com/office/powerpoint/2010/main" id="1" dur="indefinite" restart="never" nodeType="tmRoot"/>
-      </p:par>
-    </p:tnLst>
-  </p:timing>
-</p:sld>
-</file>
-
-<file path=ppt/slides/slide18.xml><?xml version="1.0" encoding="utf-8"?>
-<p:sld xmlns:a="http://schemas.openxmlformats.org/drawingml/2006/main" xmlns:r="http://schemas.openxmlformats.org/officeDocument/2006/relationships" xmlns:p="http://schemas.openxmlformats.org/presentationml/2006/main">
-  <p:cSld>
-    <p:spTree>
-      <p:nvGrpSpPr>
-        <p:cNvPr id="1" name=""/>
-        <p:cNvGrpSpPr/>
-        <p:nvPr/>
-      </p:nvGrpSpPr>
-      <p:grpSpPr>
-        <a:xfrm>
-          <a:off x="0" y="0"/>
-          <a:ext cx="0" cy="0"/>
-          <a:chOff x="0" y="0"/>
-          <a:chExt cx="0" cy="0"/>
-        </a:xfrm>
-      </p:grpSpPr>
-      <p:sp>
-        <p:nvSpPr>
-          <p:cNvPr id="2" name="タイトル 1"/>
-          <p:cNvSpPr>
-            <a:spLocks noGrp="1"/>
-          </p:cNvSpPr>
-          <p:nvPr>
-            <p:ph type="title"/>
-          </p:nvPr>
-        </p:nvSpPr>
-        <p:spPr/>
-        <p:txBody>
-          <a:bodyPr/>
-          <a:lstStyle/>
-          <a:p>
-            <a:r>
-              <a:rPr kumimoji="1" lang="ja-JP" altLang="en-US" dirty="0" smtClean="0"/>
-              <a:t>実験</a:t>
-            </a:r>
-            <a:r>
-              <a:rPr kumimoji="1" lang="ja-JP" altLang="en-US" dirty="0" smtClean="0"/>
-              <a:t>結果</a:t>
+              <a:t>実験結果</a:t>
             </a:r>
             <a:r>
               <a:rPr kumimoji="1" lang="en-US" altLang="ja-JP" dirty="0" smtClean="0"/>
@@ -6439,7 +6606,7 @@
 </p:sld>
 </file>
 
-<file path=ppt/slides/slide19.xml><?xml version="1.0" encoding="utf-8"?>
+<file path=ppt/slides/slide17.xml><?xml version="1.0" encoding="utf-8"?>
 <p:sld xmlns:a="http://schemas.openxmlformats.org/drawingml/2006/main" xmlns:r="http://schemas.openxmlformats.org/officeDocument/2006/relationships" xmlns:p="http://schemas.openxmlformats.org/presentationml/2006/main">
   <p:cSld>
     <p:spTree>
@@ -6473,11 +6640,7 @@
           <a:p>
             <a:r>
               <a:rPr kumimoji="1" lang="ja-JP" altLang="en-US" dirty="0" smtClean="0"/>
-              <a:t>実験</a:t>
-            </a:r>
-            <a:r>
-              <a:rPr kumimoji="1" lang="ja-JP" altLang="en-US" dirty="0" smtClean="0"/>
-              <a:t>結果</a:t>
+              <a:t>実験結果</a:t>
             </a:r>
             <a:r>
               <a:rPr kumimoji="1" lang="en-US" altLang="ja-JP" dirty="0" smtClean="0"/>
@@ -6695,7 +6858,7 @@
 </p:sld>
 </file>
 
-<file path=ppt/slides/slide2.xml><?xml version="1.0" encoding="utf-8"?>
+<file path=ppt/slides/slide18.xml><?xml version="1.0" encoding="utf-8"?>
 <p:sld xmlns:a="http://schemas.openxmlformats.org/drawingml/2006/main" xmlns:r="http://schemas.openxmlformats.org/officeDocument/2006/relationships" xmlns:p="http://schemas.openxmlformats.org/presentationml/2006/main">
   <p:cSld>
     <p:spTree>
@@ -6729,212 +6892,7 @@
           <a:p>
             <a:r>
               <a:rPr kumimoji="1" lang="ja-JP" altLang="en-US" dirty="0" smtClean="0"/>
-              <a:t>発表の流れ</a:t>
-            </a:r>
-            <a:endParaRPr kumimoji="1" lang="ja-JP" altLang="en-US" dirty="0"/>
-          </a:p>
-        </p:txBody>
-      </p:sp>
-      <p:sp>
-        <p:nvSpPr>
-          <p:cNvPr id="3" name="コンテンツ プレースホルダー 2"/>
-          <p:cNvSpPr>
-            <a:spLocks noGrp="1"/>
-          </p:cNvSpPr>
-          <p:nvPr>
-            <p:ph idx="1"/>
-          </p:nvPr>
-        </p:nvSpPr>
-        <p:spPr>
-          <a:xfrm>
-            <a:off x="1856828" y="1606331"/>
-            <a:ext cx="5433848" cy="4525963"/>
-          </a:xfrm>
-        </p:spPr>
-        <p:txBody>
-          <a:bodyPr>
-            <a:normAutofit fontScale="92500" lnSpcReduction="20000"/>
-          </a:bodyPr>
-          <a:lstStyle/>
-          <a:p>
-            <a:pPr marL="571500" indent="-571500" fontAlgn="base">
-              <a:buFont typeface="+mj-lt"/>
-              <a:buAutoNum type="arabicPeriod"/>
-            </a:pPr>
-            <a:r>
-              <a:rPr lang="ja-JP" altLang="en-US" dirty="0" smtClean="0"/>
-              <a:t>はじめに</a:t>
-            </a:r>
-            <a:endParaRPr lang="en-US" altLang="ja-JP" dirty="0" smtClean="0"/>
-          </a:p>
-          <a:p>
-            <a:pPr marL="971550" lvl="1" indent="-571500" fontAlgn="base">
-              <a:buFont typeface="+mj-lt"/>
-              <a:buAutoNum type="arabicPeriod"/>
-            </a:pPr>
-            <a:r>
-              <a:rPr lang="ja-JP" altLang="en-US" dirty="0" smtClean="0"/>
-              <a:t>本研究の背景、目的</a:t>
-            </a:r>
-            <a:endParaRPr lang="en-US" altLang="ja-JP" dirty="0" smtClean="0"/>
-          </a:p>
-          <a:p>
-            <a:pPr marL="971550" lvl="1" indent="-571500" fontAlgn="base">
-              <a:buFont typeface="+mj-lt"/>
-              <a:buAutoNum type="arabicPeriod"/>
-            </a:pPr>
-            <a:r>
-              <a:rPr lang="en-US" altLang="ja-JP" dirty="0" smtClean="0"/>
-              <a:t>Scratch</a:t>
-            </a:r>
-            <a:r>
-              <a:rPr lang="ja-JP" altLang="en-US" dirty="0" smtClean="0"/>
-              <a:t>とは</a:t>
-            </a:r>
-            <a:endParaRPr lang="en-US" altLang="ja-JP" dirty="0" smtClean="0"/>
-          </a:p>
-          <a:p>
-            <a:pPr marL="971550" lvl="1" indent="-571500" fontAlgn="base">
-              <a:buFont typeface="+mj-lt"/>
-              <a:buAutoNum type="arabicPeriod"/>
-            </a:pPr>
-            <a:r>
-              <a:rPr lang="en-US" altLang="ja-JP" dirty="0" smtClean="0"/>
-              <a:t>Scratch</a:t>
-            </a:r>
-            <a:r>
-              <a:rPr lang="ja-JP" altLang="en-US" dirty="0" smtClean="0"/>
-              <a:t>の現状</a:t>
-            </a:r>
-            <a:endParaRPr lang="en-US" altLang="ja-JP" dirty="0" smtClean="0"/>
-          </a:p>
-          <a:p>
-            <a:pPr marL="571500" indent="-571500" fontAlgn="base">
-              <a:buFont typeface="+mj-lt"/>
-              <a:buAutoNum type="arabicPeriod"/>
-            </a:pPr>
-            <a:r>
-              <a:rPr lang="ja-JP" altLang="en-US" dirty="0" smtClean="0"/>
-              <a:t>問題</a:t>
-            </a:r>
-            <a:endParaRPr lang="en-US" altLang="ja-JP" dirty="0"/>
-          </a:p>
-          <a:p>
-            <a:pPr marL="571500" indent="-571500" fontAlgn="base">
-              <a:buFont typeface="+mj-lt"/>
-              <a:buAutoNum type="arabicPeriod"/>
-            </a:pPr>
-            <a:r>
-              <a:rPr lang="ja-JP" altLang="en-US" dirty="0" smtClean="0"/>
-              <a:t>提案する手法</a:t>
-            </a:r>
-            <a:endParaRPr lang="en-US" altLang="ja-JP" dirty="0" smtClean="0"/>
-          </a:p>
-          <a:p>
-            <a:pPr marL="571500" indent="-571500" fontAlgn="base">
-              <a:buFont typeface="+mj-lt"/>
-              <a:buAutoNum type="arabicPeriod"/>
-            </a:pPr>
-            <a:r>
-              <a:rPr lang="ja-JP" altLang="en-US" dirty="0" smtClean="0"/>
-              <a:t>実験方法</a:t>
-            </a:r>
-            <a:endParaRPr lang="en-US" altLang="ja-JP" dirty="0" smtClean="0"/>
-          </a:p>
-          <a:p>
-            <a:pPr marL="571500" indent="-571500" fontAlgn="base">
-              <a:buFont typeface="+mj-lt"/>
-              <a:buAutoNum type="arabicPeriod"/>
-            </a:pPr>
-            <a:r>
-              <a:rPr lang="ja-JP" altLang="en-US" dirty="0" smtClean="0"/>
               <a:t>実験結果</a:t>
-            </a:r>
-            <a:endParaRPr lang="en-US" altLang="ja-JP" dirty="0" smtClean="0"/>
-          </a:p>
-          <a:p>
-            <a:pPr marL="571500" indent="-571500" fontAlgn="base">
-              <a:buFont typeface="+mj-lt"/>
-              <a:buAutoNum type="arabicPeriod"/>
-            </a:pPr>
-            <a:r>
-              <a:rPr lang="ja-JP" altLang="en-US" dirty="0" smtClean="0"/>
-              <a:t>評価</a:t>
-            </a:r>
-            <a:endParaRPr lang="en-US" altLang="ja-JP" dirty="0" smtClean="0"/>
-          </a:p>
-          <a:p>
-            <a:pPr marL="571500" indent="-571500" fontAlgn="base">
-              <a:buFont typeface="+mj-lt"/>
-              <a:buAutoNum type="arabicPeriod"/>
-            </a:pPr>
-            <a:r>
-              <a:rPr lang="ja-JP" altLang="en-US" dirty="0" smtClean="0"/>
-              <a:t>今後の展望</a:t>
-            </a:r>
-            <a:endParaRPr lang="en-US" altLang="ja-JP" dirty="0" smtClean="0"/>
-          </a:p>
-        </p:txBody>
-      </p:sp>
-    </p:spTree>
-    <p:extLst>
-      <p:ext uri="{BB962C8B-B14F-4D97-AF65-F5344CB8AC3E}">
-        <p14:creationId xmlns:p14="http://schemas.microsoft.com/office/powerpoint/2010/main" val="1018990440"/>
-      </p:ext>
-    </p:extLst>
-  </p:cSld>
-  <p:clrMapOvr>
-    <a:masterClrMapping/>
-  </p:clrMapOvr>
-  <p:timing>
-    <p:tnLst>
-      <p:par>
-        <p:cTn xmlns:p14="http://schemas.microsoft.com/office/powerpoint/2010/main" id="1" dur="indefinite" restart="never" nodeType="tmRoot"/>
-      </p:par>
-    </p:tnLst>
-  </p:timing>
-</p:sld>
-</file>
-
-<file path=ppt/slides/slide20.xml><?xml version="1.0" encoding="utf-8"?>
-<p:sld xmlns:a="http://schemas.openxmlformats.org/drawingml/2006/main" xmlns:r="http://schemas.openxmlformats.org/officeDocument/2006/relationships" xmlns:p="http://schemas.openxmlformats.org/presentationml/2006/main">
-  <p:cSld>
-    <p:spTree>
-      <p:nvGrpSpPr>
-        <p:cNvPr id="1" name=""/>
-        <p:cNvGrpSpPr/>
-        <p:nvPr/>
-      </p:nvGrpSpPr>
-      <p:grpSpPr>
-        <a:xfrm>
-          <a:off x="0" y="0"/>
-          <a:ext cx="0" cy="0"/>
-          <a:chOff x="0" y="0"/>
-          <a:chExt cx="0" cy="0"/>
-        </a:xfrm>
-      </p:grpSpPr>
-      <p:sp>
-        <p:nvSpPr>
-          <p:cNvPr id="2" name="タイトル 1"/>
-          <p:cNvSpPr>
-            <a:spLocks noGrp="1"/>
-          </p:cNvSpPr>
-          <p:nvPr>
-            <p:ph type="title"/>
-          </p:nvPr>
-        </p:nvSpPr>
-        <p:spPr/>
-        <p:txBody>
-          <a:bodyPr/>
-          <a:lstStyle/>
-          <a:p>
-            <a:r>
-              <a:rPr kumimoji="1" lang="ja-JP" altLang="en-US" dirty="0" smtClean="0"/>
-              <a:t>実験</a:t>
-            </a:r>
-            <a:r>
-              <a:rPr kumimoji="1" lang="ja-JP" altLang="en-US" dirty="0" smtClean="0"/>
-              <a:t>結果</a:t>
             </a:r>
             <a:r>
               <a:rPr kumimoji="1" lang="en-US" altLang="ja-JP" dirty="0" smtClean="0"/>
@@ -7156,7 +7114,7 @@
 </p:sld>
 </file>
 
-<file path=ppt/slides/slide21.xml><?xml version="1.0" encoding="utf-8"?>
+<file path=ppt/slides/slide19.xml><?xml version="1.0" encoding="utf-8"?>
 <p:sld xmlns:a="http://schemas.openxmlformats.org/drawingml/2006/main" xmlns:r="http://schemas.openxmlformats.org/officeDocument/2006/relationships" xmlns:p="http://schemas.openxmlformats.org/presentationml/2006/main">
   <p:cSld>
     <p:spTree>
@@ -7190,11 +7148,7 @@
           <a:p>
             <a:r>
               <a:rPr kumimoji="1" lang="ja-JP" altLang="en-US" dirty="0" smtClean="0"/>
-              <a:t>実験</a:t>
-            </a:r>
-            <a:r>
-              <a:rPr kumimoji="1" lang="ja-JP" altLang="en-US" dirty="0" smtClean="0"/>
-              <a:t>結果</a:t>
+              <a:t>実験結果</a:t>
             </a:r>
             <a:r>
               <a:rPr kumimoji="1" lang="en-US" altLang="ja-JP" dirty="0" smtClean="0"/>
@@ -7345,7 +7299,7 @@
           <p:nvPr/>
         </p:nvPicPr>
         <p:blipFill>
-          <a:blip r:embed="rId2">
+          <a:blip r:embed="rId3">
             <a:extLst>
               <a:ext uri="{28A0092B-C50C-407E-A947-70E740481C1C}">
                 <a14:useLocalDpi xmlns:a14="http://schemas.microsoft.com/office/drawing/2010/main" val="0"/>
@@ -7375,7 +7329,7 @@
           <p:nvPr/>
         </p:nvPicPr>
         <p:blipFill>
-          <a:blip r:embed="rId3">
+          <a:blip r:embed="rId4">
             <a:extLst>
               <a:ext uri="{28A0092B-C50C-407E-A947-70E740481C1C}">
                 <a14:useLocalDpi xmlns:a14="http://schemas.microsoft.com/office/drawing/2010/main" val="0"/>
@@ -7416,7 +7370,7 @@
 </p:sld>
 </file>
 
-<file path=ppt/slides/slide22.xml><?xml version="1.0" encoding="utf-8"?>
+<file path=ppt/slides/slide2.xml><?xml version="1.0" encoding="utf-8"?>
 <p:sld xmlns:a="http://schemas.openxmlformats.org/drawingml/2006/main" xmlns:r="http://schemas.openxmlformats.org/officeDocument/2006/relationships" xmlns:p="http://schemas.openxmlformats.org/presentationml/2006/main">
   <p:cSld>
     <p:spTree>
@@ -7450,11 +7404,208 @@
           <a:p>
             <a:r>
               <a:rPr kumimoji="1" lang="ja-JP" altLang="en-US" dirty="0" smtClean="0"/>
-              <a:t>実験</a:t>
-            </a:r>
-            <a:r>
-              <a:rPr kumimoji="1" lang="ja-JP" altLang="en-US" dirty="0" smtClean="0"/>
-              <a:t>結果</a:t>
+              <a:t>発表の流れ</a:t>
+            </a:r>
+            <a:endParaRPr kumimoji="1" lang="ja-JP" altLang="en-US" dirty="0"/>
+          </a:p>
+        </p:txBody>
+      </p:sp>
+      <p:sp>
+        <p:nvSpPr>
+          <p:cNvPr id="3" name="コンテンツ プレースホルダー 2"/>
+          <p:cNvSpPr>
+            <a:spLocks noGrp="1"/>
+          </p:cNvSpPr>
+          <p:nvPr>
+            <p:ph idx="1"/>
+          </p:nvPr>
+        </p:nvSpPr>
+        <p:spPr>
+          <a:xfrm>
+            <a:off x="1856828" y="1606331"/>
+            <a:ext cx="5433848" cy="4525963"/>
+          </a:xfrm>
+        </p:spPr>
+        <p:txBody>
+          <a:bodyPr>
+            <a:normAutofit fontScale="92500" lnSpcReduction="20000"/>
+          </a:bodyPr>
+          <a:lstStyle/>
+          <a:p>
+            <a:pPr marL="571500" indent="-571500" fontAlgn="base">
+              <a:buFont typeface="+mj-lt"/>
+              <a:buAutoNum type="arabicPeriod"/>
+            </a:pPr>
+            <a:r>
+              <a:rPr lang="ja-JP" altLang="en-US" dirty="0" smtClean="0"/>
+              <a:t>はじめに</a:t>
+            </a:r>
+            <a:endParaRPr lang="en-US" altLang="ja-JP" dirty="0" smtClean="0"/>
+          </a:p>
+          <a:p>
+            <a:pPr marL="971550" lvl="1" indent="-571500" fontAlgn="base">
+              <a:buFont typeface="+mj-lt"/>
+              <a:buAutoNum type="arabicPeriod"/>
+            </a:pPr>
+            <a:r>
+              <a:rPr lang="ja-JP" altLang="en-US" dirty="0" smtClean="0"/>
+              <a:t>本研究の背景、目的</a:t>
+            </a:r>
+            <a:endParaRPr lang="en-US" altLang="ja-JP" dirty="0" smtClean="0"/>
+          </a:p>
+          <a:p>
+            <a:pPr marL="971550" lvl="1" indent="-571500" fontAlgn="base">
+              <a:buFont typeface="+mj-lt"/>
+              <a:buAutoNum type="arabicPeriod"/>
+            </a:pPr>
+            <a:r>
+              <a:rPr lang="en-US" altLang="ja-JP" dirty="0" smtClean="0"/>
+              <a:t>Scratch</a:t>
+            </a:r>
+            <a:r>
+              <a:rPr lang="ja-JP" altLang="en-US" dirty="0" smtClean="0"/>
+              <a:t>とは</a:t>
+            </a:r>
+            <a:endParaRPr lang="en-US" altLang="ja-JP" dirty="0" smtClean="0"/>
+          </a:p>
+          <a:p>
+            <a:pPr marL="971550" lvl="1" indent="-571500" fontAlgn="base">
+              <a:buFont typeface="+mj-lt"/>
+              <a:buAutoNum type="arabicPeriod"/>
+            </a:pPr>
+            <a:r>
+              <a:rPr lang="en-US" altLang="ja-JP" dirty="0" smtClean="0"/>
+              <a:t>Scratch</a:t>
+            </a:r>
+            <a:r>
+              <a:rPr lang="ja-JP" altLang="en-US" dirty="0" smtClean="0"/>
+              <a:t>の現状</a:t>
+            </a:r>
+            <a:endParaRPr lang="en-US" altLang="ja-JP" dirty="0" smtClean="0"/>
+          </a:p>
+          <a:p>
+            <a:pPr marL="571500" indent="-571500" fontAlgn="base">
+              <a:buFont typeface="+mj-lt"/>
+              <a:buAutoNum type="arabicPeriod"/>
+            </a:pPr>
+            <a:r>
+              <a:rPr lang="ja-JP" altLang="en-US" dirty="0" smtClean="0"/>
+              <a:t>問題</a:t>
+            </a:r>
+            <a:endParaRPr lang="en-US" altLang="ja-JP" dirty="0"/>
+          </a:p>
+          <a:p>
+            <a:pPr marL="571500" indent="-571500" fontAlgn="base">
+              <a:buFont typeface="+mj-lt"/>
+              <a:buAutoNum type="arabicPeriod"/>
+            </a:pPr>
+            <a:r>
+              <a:rPr lang="ja-JP" altLang="en-US" dirty="0" smtClean="0"/>
+              <a:t>提案する手法</a:t>
+            </a:r>
+            <a:endParaRPr lang="en-US" altLang="ja-JP" dirty="0" smtClean="0"/>
+          </a:p>
+          <a:p>
+            <a:pPr marL="571500" indent="-571500" fontAlgn="base">
+              <a:buFont typeface="+mj-lt"/>
+              <a:buAutoNum type="arabicPeriod"/>
+            </a:pPr>
+            <a:r>
+              <a:rPr lang="ja-JP" altLang="en-US" dirty="0" smtClean="0"/>
+              <a:t>実験方法</a:t>
+            </a:r>
+            <a:endParaRPr lang="en-US" altLang="ja-JP" dirty="0" smtClean="0"/>
+          </a:p>
+          <a:p>
+            <a:pPr marL="571500" indent="-571500" fontAlgn="base">
+              <a:buFont typeface="+mj-lt"/>
+              <a:buAutoNum type="arabicPeriod"/>
+            </a:pPr>
+            <a:r>
+              <a:rPr lang="ja-JP" altLang="en-US" dirty="0" smtClean="0"/>
+              <a:t>実験結果</a:t>
+            </a:r>
+            <a:endParaRPr lang="en-US" altLang="ja-JP" dirty="0" smtClean="0"/>
+          </a:p>
+          <a:p>
+            <a:pPr marL="571500" indent="-571500" fontAlgn="base">
+              <a:buFont typeface="+mj-lt"/>
+              <a:buAutoNum type="arabicPeriod"/>
+            </a:pPr>
+            <a:r>
+              <a:rPr lang="ja-JP" altLang="en-US" dirty="0" smtClean="0"/>
+              <a:t>評価</a:t>
+            </a:r>
+            <a:endParaRPr lang="en-US" altLang="ja-JP" dirty="0" smtClean="0"/>
+          </a:p>
+          <a:p>
+            <a:pPr marL="571500" indent="-571500" fontAlgn="base">
+              <a:buFont typeface="+mj-lt"/>
+              <a:buAutoNum type="arabicPeriod"/>
+            </a:pPr>
+            <a:r>
+              <a:rPr lang="ja-JP" altLang="en-US" dirty="0" smtClean="0"/>
+              <a:t>今後の展望</a:t>
+            </a:r>
+            <a:endParaRPr lang="en-US" altLang="ja-JP" dirty="0" smtClean="0"/>
+          </a:p>
+        </p:txBody>
+      </p:sp>
+    </p:spTree>
+    <p:extLst>
+      <p:ext uri="{BB962C8B-B14F-4D97-AF65-F5344CB8AC3E}">
+        <p14:creationId xmlns:p14="http://schemas.microsoft.com/office/powerpoint/2010/main" val="1018990440"/>
+      </p:ext>
+    </p:extLst>
+  </p:cSld>
+  <p:clrMapOvr>
+    <a:masterClrMapping/>
+  </p:clrMapOvr>
+  <p:timing>
+    <p:tnLst>
+      <p:par>
+        <p:cTn xmlns:p14="http://schemas.microsoft.com/office/powerpoint/2010/main" id="1" dur="indefinite" restart="never" nodeType="tmRoot"/>
+      </p:par>
+    </p:tnLst>
+  </p:timing>
+</p:sld>
+</file>
+
+<file path=ppt/slides/slide20.xml><?xml version="1.0" encoding="utf-8"?>
+<p:sld xmlns:a="http://schemas.openxmlformats.org/drawingml/2006/main" xmlns:r="http://schemas.openxmlformats.org/officeDocument/2006/relationships" xmlns:p="http://schemas.openxmlformats.org/presentationml/2006/main">
+  <p:cSld>
+    <p:spTree>
+      <p:nvGrpSpPr>
+        <p:cNvPr id="1" name=""/>
+        <p:cNvGrpSpPr/>
+        <p:nvPr/>
+      </p:nvGrpSpPr>
+      <p:grpSpPr>
+        <a:xfrm>
+          <a:off x="0" y="0"/>
+          <a:ext cx="0" cy="0"/>
+          <a:chOff x="0" y="0"/>
+          <a:chExt cx="0" cy="0"/>
+        </a:xfrm>
+      </p:grpSpPr>
+      <p:sp>
+        <p:nvSpPr>
+          <p:cNvPr id="2" name="タイトル 1"/>
+          <p:cNvSpPr>
+            <a:spLocks noGrp="1"/>
+          </p:cNvSpPr>
+          <p:nvPr>
+            <p:ph type="title"/>
+          </p:nvPr>
+        </p:nvSpPr>
+        <p:spPr/>
+        <p:txBody>
+          <a:bodyPr/>
+          <a:lstStyle/>
+          <a:p>
+            <a:r>
+              <a:rPr kumimoji="1" lang="ja-JP" altLang="en-US" dirty="0" smtClean="0"/>
+              <a:t>実験結果</a:t>
             </a:r>
             <a:r>
               <a:rPr lang="ja-JP" altLang="ja-JP" dirty="0"/>
@@ -7605,7 +7756,7 @@
           <p:nvPr/>
         </p:nvPicPr>
         <p:blipFill>
-          <a:blip r:embed="rId2">
+          <a:blip r:embed="rId3">
             <a:extLst>
               <a:ext uri="{28A0092B-C50C-407E-A947-70E740481C1C}">
                 <a14:useLocalDpi xmlns:a14="http://schemas.microsoft.com/office/drawing/2010/main" val="0"/>
@@ -7635,7 +7786,7 @@
           <p:nvPr/>
         </p:nvPicPr>
         <p:blipFill>
-          <a:blip r:embed="rId3">
+          <a:blip r:embed="rId4">
             <a:extLst>
               <a:ext uri="{28A0092B-C50C-407E-A947-70E740481C1C}">
                 <a14:useLocalDpi xmlns:a14="http://schemas.microsoft.com/office/drawing/2010/main" val="0"/>
@@ -7676,7 +7827,7 @@
 </p:sld>
 </file>
 
-<file path=ppt/slides/slide23.xml><?xml version="1.0" encoding="utf-8"?>
+<file path=ppt/slides/slide21.xml><?xml version="1.0" encoding="utf-8"?>
 <p:sld xmlns:a="http://schemas.openxmlformats.org/drawingml/2006/main" xmlns:r="http://schemas.openxmlformats.org/officeDocument/2006/relationships" xmlns:p="http://schemas.openxmlformats.org/presentationml/2006/main">
   <p:cSld>
     <p:spTree>
@@ -7710,11 +7861,7 @@
           <a:p>
             <a:r>
               <a:rPr kumimoji="1" lang="ja-JP" altLang="en-US" dirty="0" smtClean="0"/>
-              <a:t>実験</a:t>
-            </a:r>
-            <a:r>
-              <a:rPr kumimoji="1" lang="ja-JP" altLang="en-US" dirty="0" smtClean="0"/>
-              <a:t>結果</a:t>
+              <a:t>実験結果</a:t>
             </a:r>
             <a:r>
               <a:rPr lang="ja-JP" altLang="ja-JP" dirty="0"/>
@@ -7932,7 +8079,7 @@
 </p:sld>
 </file>
 
-<file path=ppt/slides/slide24.xml><?xml version="1.0" encoding="utf-8"?>
+<file path=ppt/slides/slide22.xml><?xml version="1.0" encoding="utf-8"?>
 <p:sld xmlns:a="http://schemas.openxmlformats.org/drawingml/2006/main" xmlns:r="http://schemas.openxmlformats.org/officeDocument/2006/relationships" xmlns:p="http://schemas.openxmlformats.org/presentationml/2006/main">
   <p:cSld>
     <p:spTree>
@@ -7966,11 +8113,7 @@
           <a:p>
             <a:r>
               <a:rPr kumimoji="1" lang="ja-JP" altLang="en-US" dirty="0" smtClean="0"/>
-              <a:t>実験</a:t>
-            </a:r>
-            <a:r>
-              <a:rPr kumimoji="1" lang="ja-JP" altLang="en-US" dirty="0" smtClean="0"/>
-              <a:t>結果</a:t>
+              <a:t>実験結果</a:t>
             </a:r>
             <a:r>
               <a:rPr lang="ja-JP" altLang="ja-JP" dirty="0"/>
@@ -8121,7 +8264,7 @@
           <p:nvPr/>
         </p:nvPicPr>
         <p:blipFill>
-          <a:blip r:embed="rId2">
+          <a:blip r:embed="rId3">
             <a:extLst>
               <a:ext uri="{28A0092B-C50C-407E-A947-70E740481C1C}">
                 <a14:useLocalDpi xmlns:a14="http://schemas.microsoft.com/office/drawing/2010/main" val="0"/>
@@ -8151,7 +8294,7 @@
           <p:nvPr/>
         </p:nvPicPr>
         <p:blipFill>
-          <a:blip r:embed="rId3">
+          <a:blip r:embed="rId4">
             <a:extLst>
               <a:ext uri="{28A0092B-C50C-407E-A947-70E740481C1C}">
                 <a14:useLocalDpi xmlns:a14="http://schemas.microsoft.com/office/drawing/2010/main" val="0"/>
@@ -8192,7 +8335,7 @@
 </p:sld>
 </file>
 
-<file path=ppt/slides/slide25.xml><?xml version="1.0" encoding="utf-8"?>
+<file path=ppt/slides/slide23.xml><?xml version="1.0" encoding="utf-8"?>
 <p:sld xmlns:a="http://schemas.openxmlformats.org/drawingml/2006/main" xmlns:r="http://schemas.openxmlformats.org/officeDocument/2006/relationships" xmlns:p="http://schemas.openxmlformats.org/presentationml/2006/main">
   <p:cSld>
     <p:spTree>
@@ -8226,11 +8369,7 @@
           <a:p>
             <a:r>
               <a:rPr kumimoji="1" lang="ja-JP" altLang="en-US" dirty="0" smtClean="0"/>
-              <a:t>実験</a:t>
-            </a:r>
-            <a:r>
-              <a:rPr kumimoji="1" lang="ja-JP" altLang="en-US" dirty="0" smtClean="0"/>
-              <a:t>結果</a:t>
+              <a:t>実験結果</a:t>
             </a:r>
             <a:r>
               <a:rPr lang="ja-JP" altLang="ja-JP" dirty="0"/>
@@ -8452,7 +8591,7 @@
 </p:sld>
 </file>
 
-<file path=ppt/slides/slide26.xml><?xml version="1.0" encoding="utf-8"?>
+<file path=ppt/slides/slide24.xml><?xml version="1.0" encoding="utf-8"?>
 <p:sld xmlns:a="http://schemas.openxmlformats.org/drawingml/2006/main" xmlns:r="http://schemas.openxmlformats.org/officeDocument/2006/relationships" xmlns:p="http://schemas.openxmlformats.org/presentationml/2006/main">
   <p:cSld>
     <p:spTree>
@@ -8517,15 +8656,7 @@
           <a:p>
             <a:r>
               <a:rPr lang="ja-JP" altLang="en-US" dirty="0" smtClean="0"/>
-              <a:t>元プロジェクト</a:t>
-            </a:r>
-            <a:r>
-              <a:rPr lang="ja-JP" altLang="en-US" dirty="0" smtClean="0"/>
-              <a:t>と各プロジェクト</a:t>
-            </a:r>
-            <a:r>
-              <a:rPr lang="ja-JP" altLang="en-US" dirty="0" smtClean="0"/>
-              <a:t>を</a:t>
+              <a:t>元プロジェクトと各プロジェクトを</a:t>
             </a:r>
             <a:r>
               <a:rPr lang="ja-JP" altLang="en-US" dirty="0"/>
@@ -8555,11 +8686,7 @@
             </a:r>
             <a:r>
               <a:rPr lang="ja-JP" altLang="en-US" dirty="0" smtClean="0"/>
-              <a:t>違う</a:t>
-            </a:r>
-            <a:r>
-              <a:rPr lang="ja-JP" altLang="en-US" dirty="0" smtClean="0"/>
-              <a:t>という結果になった</a:t>
+              <a:t>違うという結果になった</a:t>
             </a:r>
             <a:endParaRPr kumimoji="1" lang="ja-JP" altLang="en-US" dirty="0"/>
           </a:p>
@@ -8585,7 +8712,7 @@
 </p:sld>
 </file>
 
-<file path=ppt/slides/slide27.xml><?xml version="1.0" encoding="utf-8"?>
+<file path=ppt/slides/slide25.xml><?xml version="1.0" encoding="utf-8"?>
 <p:sld xmlns:a="http://schemas.openxmlformats.org/drawingml/2006/main" xmlns:r="http://schemas.openxmlformats.org/officeDocument/2006/relationships" xmlns:p="http://schemas.openxmlformats.org/presentationml/2006/main">
   <p:cSld>
     <p:spTree>
@@ -8672,7 +8799,7 @@
 </p:sld>
 </file>
 
-<file path=ppt/slides/slide28.xml><?xml version="1.0" encoding="utf-8"?>
+<file path=ppt/slides/slide26.xml><?xml version="1.0" encoding="utf-8"?>
 <p:sld xmlns:a="http://schemas.openxmlformats.org/drawingml/2006/main" xmlns:r="http://schemas.openxmlformats.org/officeDocument/2006/relationships" xmlns:p="http://schemas.openxmlformats.org/presentationml/2006/main">
   <p:cSld>
     <p:spTree>
@@ -8705,8 +8832,8 @@
           <a:lstStyle/>
           <a:p>
             <a:r>
-              <a:rPr kumimoji="1" lang="ja-JP" altLang="en-US" dirty="0" smtClean="0"/>
-              <a:t>今後の展望</a:t>
+              <a:rPr lang="ja-JP" altLang="en-US" dirty="0" smtClean="0"/>
+              <a:t>まとめ</a:t>
             </a:r>
             <a:endParaRPr kumimoji="1" lang="ja-JP" altLang="en-US" dirty="0"/>
           </a:p>
@@ -8769,7 +8896,7 @@
 </p:sld>
 </file>
 
-<file path=ppt/slides/slide29.xml><?xml version="1.0" encoding="utf-8"?>
+<file path=ppt/slides/slide27.xml><?xml version="1.0" encoding="utf-8"?>
 <p:sld xmlns:a="http://schemas.openxmlformats.org/drawingml/2006/main" xmlns:r="http://schemas.openxmlformats.org/officeDocument/2006/relationships" xmlns:p="http://schemas.openxmlformats.org/presentationml/2006/main">
   <p:cSld>
     <p:spTree>
@@ -9675,8 +9802,8 @@
           <a:lstStyle/>
           <a:p>
             <a:r>
-              <a:rPr kumimoji="1" lang="ja-JP" altLang="en-US" dirty="0" smtClean="0"/>
-              <a:t>問題</a:t>
+              <a:rPr lang="en-US" altLang="en-US" dirty="0" smtClean="0"/>
+              <a:t>現状の課題</a:t>
             </a:r>
             <a:endParaRPr kumimoji="1" lang="ja-JP" altLang="en-US" dirty="0"/>
           </a:p>
@@ -9699,21 +9826,61 @@
           <a:p>
             <a:r>
               <a:rPr lang="ja-JP" altLang="en-US" dirty="0" smtClean="0"/>
-              <a:t>引用元と引用されたプロジェクトの違いが同距離のため、分かりにくい。</a:t>
+              <a:t>引用元と引用されたプロジェクトの違いが同距離のため、分かりにくい</a:t>
+            </a:r>
+            <a:r>
+              <a:rPr lang="ja-JP" altLang="en-US" dirty="0" smtClean="0"/>
+              <a:t>。</a:t>
             </a:r>
             <a:endParaRPr lang="en-US" altLang="ja-JP" dirty="0" smtClean="0"/>
           </a:p>
           <a:p>
-            <a:r>
-              <a:rPr kumimoji="1" lang="ja-JP" altLang="en-US" dirty="0" smtClean="0"/>
-              <a:t>距離が数値化、その結果を用いて可視化をする。</a:t>
+            <a:pPr marL="0" indent="0">
+              <a:buNone/>
+            </a:pPr>
+            <a:endParaRPr lang="en-US" altLang="ja-JP" dirty="0" smtClean="0"/>
+          </a:p>
+          <a:p>
+            <a:pPr marL="0" indent="0">
+              <a:buNone/>
+            </a:pPr>
+            <a:r>
+              <a:rPr lang="en-US" altLang="ja-JP" dirty="0" smtClean="0"/>
+              <a:t>→</a:t>
+            </a:r>
+            <a:r>
+              <a:rPr lang="ja-JP" altLang="en-US" dirty="0" smtClean="0"/>
+              <a:t>提案する解決方法</a:t>
+            </a:r>
+            <a:endParaRPr lang="en-US" altLang="ja-JP" dirty="0" smtClean="0"/>
+          </a:p>
+          <a:p>
+            <a:r>
+              <a:rPr kumimoji="1" lang="ja-JP" altLang="en-US" dirty="0" smtClean="0"/>
+              <a:t>プロジェクトの類似性を類似度として数値化し、類似度を</a:t>
+            </a:r>
+            <a:r>
+              <a:rPr kumimoji="1" lang="ja-JP" altLang="en-US" dirty="0" smtClean="0"/>
+              <a:t>距離</a:t>
+            </a:r>
+            <a:r>
+              <a:rPr lang="ja-JP" altLang="en-US" dirty="0" smtClean="0"/>
+              <a:t>にして</a:t>
+            </a:r>
+            <a:r>
+              <a:rPr kumimoji="1" lang="ja-JP" altLang="en-US" dirty="0" smtClean="0"/>
+              <a:t>可視化する</a:t>
             </a:r>
             <a:endParaRPr kumimoji="1" lang="en-US" altLang="ja-JP" dirty="0" smtClean="0"/>
           </a:p>
           <a:p>
             <a:r>
               <a:rPr lang="ja-JP" altLang="en-US" dirty="0" smtClean="0"/>
-              <a:t>教育現場での予測例</a:t>
+              <a:t>教育</a:t>
+            </a:r>
+            <a:r>
+              <a:rPr lang="ja-JP" altLang="en-US" dirty="0" smtClean="0"/>
+              <a:t>者が考える類似性を可視化できれば、教育支援ツールができる</a:t>
             </a:r>
             <a:endParaRPr kumimoji="1" lang="en-US" altLang="ja-JP" dirty="0" smtClean="0"/>
           </a:p>
